--- a/Story Cards version a million.pptx
+++ b/Story Cards version a million.pptx
@@ -326,7 +326,7 @@
             <a:fld id="{1585DAA5-6BE2-467A-90B2-00E985D86198}" type="datetimeFigureOut">
               <a:rPr lang="en-AU" smtClean="0"/>
               <a:pPr/>
-              <a:t>22/03/2017</a:t>
+              <a:t>23/03/2017</a:t>
             </a:fld>
             <a:endParaRPr lang="en-AU"/>
           </a:p>
@@ -493,7 +493,7 @@
             <a:fld id="{1585DAA5-6BE2-467A-90B2-00E985D86198}" type="datetimeFigureOut">
               <a:rPr lang="en-AU" smtClean="0"/>
               <a:pPr/>
-              <a:t>22/03/2017</a:t>
+              <a:t>23/03/2017</a:t>
             </a:fld>
             <a:endParaRPr lang="en-AU"/>
           </a:p>
@@ -670,7 +670,7 @@
             <a:fld id="{1585DAA5-6BE2-467A-90B2-00E985D86198}" type="datetimeFigureOut">
               <a:rPr lang="en-AU" smtClean="0"/>
               <a:pPr/>
-              <a:t>22/03/2017</a:t>
+              <a:t>23/03/2017</a:t>
             </a:fld>
             <a:endParaRPr lang="en-AU"/>
           </a:p>
@@ -837,7 +837,7 @@
             <a:fld id="{1585DAA5-6BE2-467A-90B2-00E985D86198}" type="datetimeFigureOut">
               <a:rPr lang="en-AU" smtClean="0"/>
               <a:pPr/>
-              <a:t>22/03/2017</a:t>
+              <a:t>23/03/2017</a:t>
             </a:fld>
             <a:endParaRPr lang="en-AU"/>
           </a:p>
@@ -1080,7 +1080,7 @@
             <a:fld id="{1585DAA5-6BE2-467A-90B2-00E985D86198}" type="datetimeFigureOut">
               <a:rPr lang="en-AU" smtClean="0"/>
               <a:pPr/>
-              <a:t>22/03/2017</a:t>
+              <a:t>23/03/2017</a:t>
             </a:fld>
             <a:endParaRPr lang="en-AU"/>
           </a:p>
@@ -1365,7 +1365,7 @@
             <a:fld id="{1585DAA5-6BE2-467A-90B2-00E985D86198}" type="datetimeFigureOut">
               <a:rPr lang="en-AU" smtClean="0"/>
               <a:pPr/>
-              <a:t>22/03/2017</a:t>
+              <a:t>23/03/2017</a:t>
             </a:fld>
             <a:endParaRPr lang="en-AU"/>
           </a:p>
@@ -1784,7 +1784,7 @@
             <a:fld id="{1585DAA5-6BE2-467A-90B2-00E985D86198}" type="datetimeFigureOut">
               <a:rPr lang="en-AU" smtClean="0"/>
               <a:pPr/>
-              <a:t>22/03/2017</a:t>
+              <a:t>23/03/2017</a:t>
             </a:fld>
             <a:endParaRPr lang="en-AU"/>
           </a:p>
@@ -1899,7 +1899,7 @@
             <a:fld id="{1585DAA5-6BE2-467A-90B2-00E985D86198}" type="datetimeFigureOut">
               <a:rPr lang="en-AU" smtClean="0"/>
               <a:pPr/>
-              <a:t>22/03/2017</a:t>
+              <a:t>23/03/2017</a:t>
             </a:fld>
             <a:endParaRPr lang="en-AU"/>
           </a:p>
@@ -1991,7 +1991,7 @@
             <a:fld id="{1585DAA5-6BE2-467A-90B2-00E985D86198}" type="datetimeFigureOut">
               <a:rPr lang="en-AU" smtClean="0"/>
               <a:pPr/>
-              <a:t>22/03/2017</a:t>
+              <a:t>23/03/2017</a:t>
             </a:fld>
             <a:endParaRPr lang="en-AU"/>
           </a:p>
@@ -2265,7 +2265,7 @@
             <a:fld id="{1585DAA5-6BE2-467A-90B2-00E985D86198}" type="datetimeFigureOut">
               <a:rPr lang="en-AU" smtClean="0"/>
               <a:pPr/>
-              <a:t>22/03/2017</a:t>
+              <a:t>23/03/2017</a:t>
             </a:fld>
             <a:endParaRPr lang="en-AU"/>
           </a:p>
@@ -2515,7 +2515,7 @@
             <a:fld id="{1585DAA5-6BE2-467A-90B2-00E985D86198}" type="datetimeFigureOut">
               <a:rPr lang="en-AU" smtClean="0"/>
               <a:pPr/>
-              <a:t>22/03/2017</a:t>
+              <a:t>23/03/2017</a:t>
             </a:fld>
             <a:endParaRPr lang="en-AU"/>
           </a:p>
@@ -2725,7 +2725,7 @@
             <a:fld id="{1585DAA5-6BE2-467A-90B2-00E985D86198}" type="datetimeFigureOut">
               <a:rPr lang="en-AU" smtClean="0"/>
               <a:pPr/>
-              <a:t>22/03/2017</a:t>
+              <a:t>23/03/2017</a:t>
             </a:fld>
             <a:endParaRPr lang="en-AU"/>
           </a:p>
@@ -3428,21 +3428,8 @@
                   <a:schemeClr val="tx1"/>
                 </a:solidFill>
               </a:rPr>
-              <a:t>Story </a:t>
-            </a:r>
-            <a:r>
-              <a:rPr lang="en-AU" sz="2000" dirty="0">
-                <a:solidFill>
-                  <a:schemeClr val="tx1"/>
-                </a:solidFill>
-              </a:rPr>
-              <a:t>8</a:t>
-            </a:r>
-            <a:endParaRPr lang="en-AU" sz="2000" dirty="0">
-              <a:solidFill>
-                <a:schemeClr val="tx1"/>
-              </a:solidFill>
-            </a:endParaRPr>
+              <a:t>Story 8</a:t>
+            </a:r>
           </a:p>
         </p:txBody>
       </p:sp>
@@ -3495,15 +3482,7 @@
                   <a:schemeClr val="tx1"/>
                 </a:solidFill>
               </a:rPr>
-              <a:t>Search </a:t>
-            </a:r>
-            <a:r>
-              <a:rPr lang="en-AU" sz="2800" dirty="0" smtClean="0">
-                <a:solidFill>
-                  <a:schemeClr val="tx1"/>
-                </a:solidFill>
-              </a:rPr>
-              <a:t>Bar/Panel</a:t>
+              <a:t>Search Bar/Panel</a:t>
             </a:r>
             <a:endParaRPr lang="en-AU" sz="2800" dirty="0">
               <a:solidFill>
@@ -3694,7 +3673,15 @@
                   <a:schemeClr val="tx1"/>
                 </a:solidFill>
               </a:rPr>
-              <a:t>Search </a:t>
+              <a:t>Search bar</a:t>
+            </a:r>
+            <a:r>
+              <a:rPr lang="en-AU" sz="2000" dirty="0">
+                <a:solidFill>
+                  <a:schemeClr val="tx1"/>
+                </a:solidFill>
+              </a:rPr>
+              <a:t> </a:t>
             </a:r>
             <a:r>
               <a:rPr lang="en-AU" sz="2000" dirty="0" smtClean="0">
@@ -3702,29 +3689,8 @@
                   <a:schemeClr val="tx1"/>
                 </a:solidFill>
               </a:rPr>
-              <a:t>bar</a:t>
-            </a:r>
-            <a:r>
-              <a:rPr lang="en-AU" sz="2000" dirty="0">
-                <a:solidFill>
-                  <a:schemeClr val="tx1"/>
-                </a:solidFill>
-              </a:rPr>
-              <a:t> </a:t>
-            </a:r>
-            <a:r>
-              <a:rPr lang="en-AU" sz="2000" dirty="0" smtClean="0">
-                <a:solidFill>
-                  <a:schemeClr val="tx1"/>
-                </a:solidFill>
-              </a:rPr>
               <a:t>with clickable criteria such as price range min and max</a:t>
             </a:r>
-            <a:endParaRPr lang="en-AU" sz="2000" dirty="0" smtClean="0">
-              <a:solidFill>
-                <a:schemeClr val="tx1"/>
-              </a:solidFill>
-            </a:endParaRPr>
           </a:p>
           <a:p>
             <a:pPr marL="285750" indent="-285750">
@@ -4122,21 +4088,8 @@
                   <a:schemeClr val="tx1"/>
                 </a:solidFill>
               </a:rPr>
-              <a:t>Story </a:t>
-            </a:r>
-            <a:r>
-              <a:rPr lang="en-AU" sz="2000" dirty="0">
-                <a:solidFill>
-                  <a:schemeClr val="tx1"/>
-                </a:solidFill>
-              </a:rPr>
-              <a:t>9</a:t>
-            </a:r>
-            <a:endParaRPr lang="en-AU" sz="2000" dirty="0">
-              <a:solidFill>
-                <a:schemeClr val="tx1"/>
-              </a:solidFill>
-            </a:endParaRPr>
+              <a:t>Story 9</a:t>
+            </a:r>
           </a:p>
         </p:txBody>
       </p:sp>
@@ -5000,11 +4953,6 @@
               </a:rPr>
               <a:t>.</a:t>
             </a:r>
-            <a:endParaRPr lang="en-US" dirty="0" smtClean="0">
-              <a:solidFill>
-                <a:schemeClr val="tx1"/>
-              </a:solidFill>
-            </a:endParaRPr>
           </a:p>
           <a:p>
             <a:pPr marL="285750" indent="-285750">
@@ -5443,15 +5391,7 @@
                   <a:schemeClr val="tx1"/>
                 </a:solidFill>
               </a:rPr>
-              <a:t> B</a:t>
-            </a:r>
-            <a:r>
-              <a:rPr lang="en-AU" sz="2800" dirty="0" smtClean="0">
-                <a:solidFill>
-                  <a:schemeClr val="tx1"/>
-                </a:solidFill>
-              </a:rPr>
-              <a:t>ooking</a:t>
+              <a:t> Booking</a:t>
             </a:r>
             <a:endParaRPr lang="en-AU" sz="2800" dirty="0">
               <a:solidFill>
@@ -5531,7 +5471,15 @@
                   <a:schemeClr val="tx1"/>
                 </a:solidFill>
               </a:rPr>
-              <a:t>I want to be able to see how many of each type of room is in the property so that I can see if it will accommodate my family’s needs.</a:t>
+              <a:t>I want to be able to </a:t>
+            </a:r>
+            <a:r>
+              <a:rPr lang="en-US" sz="2400" dirty="0" smtClean="0">
+                <a:solidFill>
+                  <a:schemeClr val="tx1"/>
+                </a:solidFill>
+              </a:rPr>
+              <a:t>secure my booking online for convenience and speed</a:t>
             </a:r>
             <a:endParaRPr lang="en-AU" sz="2400" dirty="0">
               <a:solidFill>
@@ -5613,20 +5561,12 @@
               <a:buChar char="•"/>
             </a:pPr>
             <a:r>
-              <a:rPr lang="en-US" dirty="0">
-                <a:solidFill>
-                  <a:schemeClr val="tx1"/>
-                </a:solidFill>
-              </a:rPr>
-              <a:t>Information on property page and in searches showing number of rooms and room types</a:t>
-            </a:r>
-            <a:r>
               <a:rPr lang="en-US" dirty="0" smtClean="0">
                 <a:solidFill>
                   <a:schemeClr val="tx1"/>
                 </a:solidFill>
               </a:rPr>
-              <a:t>.</a:t>
+              <a:t>Cannot overlap bookings</a:t>
             </a:r>
           </a:p>
           <a:p>
@@ -5635,12 +5575,12 @@
               <a:buChar char="•"/>
             </a:pPr>
             <a:r>
-              <a:rPr lang="en-AU" dirty="0">
-                <a:solidFill>
-                  <a:schemeClr val="tx1"/>
-                </a:solidFill>
-              </a:rPr>
-              <a:t>Potential room types include; bathrooms, bedrooms, kitchen, dining, carports, laundry and toilets.</a:t>
+              <a:rPr lang="en-US" dirty="0" smtClean="0">
+                <a:solidFill>
+                  <a:schemeClr val="tx1"/>
+                </a:solidFill>
+              </a:rPr>
+              <a:t>Display available times</a:t>
             </a:r>
           </a:p>
           <a:p>
@@ -5649,12 +5589,12 @@
               <a:buChar char="•"/>
             </a:pPr>
             <a:r>
-              <a:rPr lang="en-US" dirty="0">
-                <a:solidFill>
-                  <a:schemeClr val="tx1"/>
-                </a:solidFill>
-              </a:rPr>
-              <a:t> Small image or font-based icons could be used to represent some of this information. (fontawesome.io provides some good icons)</a:t>
+              <a:rPr lang="en-US" dirty="0" smtClean="0">
+                <a:solidFill>
+                  <a:schemeClr val="tx1"/>
+                </a:solidFill>
+              </a:rPr>
+              <a:t>Update availabilities (in real time?)</a:t>
             </a:r>
             <a:endParaRPr lang="en-AU" dirty="0">
               <a:solidFill>
@@ -5856,28 +5796,6 @@
                 </a:solidFill>
               </a:rPr>
               <a:t>Notes</a:t>
-            </a:r>
-          </a:p>
-          <a:p>
-            <a:pPr marL="179388" indent="-179388">
-              <a:buFont typeface="Arial" pitchFamily="34" charset="0"/>
-              <a:buChar char="•"/>
-            </a:pPr>
-            <a:r>
-              <a:rPr lang="en-AU" dirty="0" smtClean="0">
-                <a:solidFill>
-                  <a:schemeClr val="tx1"/>
-                </a:solidFill>
-              </a:rPr>
-              <a:t>Providing </a:t>
-            </a:r>
-            <a:r>
-              <a:rPr lang="en-AU" dirty="0">
-                <a:solidFill>
-                  <a:schemeClr val="tx1"/>
-                </a:solidFill>
-              </a:rPr>
-              <a:t>the  total area of the property could also be included.</a:t>
             </a:r>
           </a:p>
           <a:p>
@@ -6212,15 +6130,7 @@
                   <a:schemeClr val="tx1"/>
                 </a:solidFill>
               </a:rPr>
-              <a:t>Terms and conditions pop-up </a:t>
-            </a:r>
-            <a:r>
-              <a:rPr lang="en-US" dirty="0" smtClean="0">
-                <a:solidFill>
-                  <a:schemeClr val="tx1"/>
-                </a:solidFill>
-              </a:rPr>
-              <a:t>form</a:t>
+              <a:t>Terms and conditions pop-up form</a:t>
             </a:r>
           </a:p>
           <a:p>
@@ -7337,15 +7247,7 @@
                   <a:schemeClr val="tx1"/>
                 </a:solidFill>
               </a:rPr>
-              <a:t>Counter visible by property owners and admin </a:t>
-            </a:r>
-            <a:r>
-              <a:rPr lang="en-US" sz="2000" dirty="0" smtClean="0">
-                <a:solidFill>
-                  <a:schemeClr val="tx1"/>
-                </a:solidFill>
-              </a:rPr>
-              <a:t>only</a:t>
+              <a:t>Counter visible by property owners and admin only</a:t>
             </a:r>
           </a:p>
           <a:p>
@@ -8845,15 +8747,7 @@
                   <a:schemeClr val="tx1"/>
                 </a:solidFill>
               </a:rPr>
-              <a:t>Star </a:t>
-            </a:r>
-            <a:r>
-              <a:rPr lang="en-AU" sz="2800" dirty="0" smtClean="0">
-                <a:solidFill>
-                  <a:schemeClr val="tx1"/>
-                </a:solidFill>
-              </a:rPr>
-              <a:t>Rating System</a:t>
+              <a:t>Star Rating System</a:t>
             </a:r>
             <a:endParaRPr lang="en-AU" sz="2800" dirty="0">
               <a:solidFill>
@@ -9359,21 +9253,21 @@
                 <a:gridCol w="2386710">
                   <a:extLst>
                     <a:ext uri="{9D8B030D-6E8A-4147-A177-3AD203B41FA5}">
-                      <a16:colId xmlns:a16="http://schemas.microsoft.com/office/drawing/2014/main" xmlns="" val="4227752072"/>
+                      <a16:colId xmlns="" xmlns:a16="http://schemas.microsoft.com/office/drawing/2014/main" val="4227752072"/>
                     </a:ext>
                   </a:extLst>
                 </a:gridCol>
                 <a:gridCol w="2386710">
                   <a:extLst>
                     <a:ext uri="{9D8B030D-6E8A-4147-A177-3AD203B41FA5}">
-                      <a16:colId xmlns:a16="http://schemas.microsoft.com/office/drawing/2014/main" xmlns="" val="3236106017"/>
+                      <a16:colId xmlns="" xmlns:a16="http://schemas.microsoft.com/office/drawing/2014/main" val="3236106017"/>
                     </a:ext>
                   </a:extLst>
                 </a:gridCol>
                 <a:gridCol w="2386710">
                   <a:extLst>
                     <a:ext uri="{9D8B030D-6E8A-4147-A177-3AD203B41FA5}">
-                      <a16:colId xmlns:a16="http://schemas.microsoft.com/office/drawing/2014/main" xmlns="" val="3392291262"/>
+                      <a16:colId xmlns="" xmlns:a16="http://schemas.microsoft.com/office/drawing/2014/main" val="3392291262"/>
                     </a:ext>
                   </a:extLst>
                 </a:gridCol>
@@ -9549,7 +9443,7 @@
                 </a:tc>
                 <a:extLst>
                   <a:ext uri="{0D108BD9-81ED-4DB2-BD59-A6C34878D82A}">
-                    <a16:rowId xmlns:a16="http://schemas.microsoft.com/office/drawing/2014/main" xmlns="" val="1007940399"/>
+                    <a16:rowId xmlns="" xmlns:a16="http://schemas.microsoft.com/office/drawing/2014/main" val="1007940399"/>
                   </a:ext>
                 </a:extLst>
               </a:tr>
@@ -9731,7 +9625,7 @@
                 </a:tc>
                 <a:extLst>
                   <a:ext uri="{0D108BD9-81ED-4DB2-BD59-A6C34878D82A}">
-                    <a16:rowId xmlns:a16="http://schemas.microsoft.com/office/drawing/2014/main" xmlns="" val="2137882582"/>
+                    <a16:rowId xmlns="" xmlns:a16="http://schemas.microsoft.com/office/drawing/2014/main" val="2137882582"/>
                   </a:ext>
                 </a:extLst>
               </a:tr>
@@ -9913,7 +9807,7 @@
                 </a:tc>
                 <a:extLst>
                   <a:ext uri="{0D108BD9-81ED-4DB2-BD59-A6C34878D82A}">
-                    <a16:rowId xmlns:a16="http://schemas.microsoft.com/office/drawing/2014/main" xmlns="" val="698170432"/>
+                    <a16:rowId xmlns="" xmlns:a16="http://schemas.microsoft.com/office/drawing/2014/main" val="698170432"/>
                   </a:ext>
                 </a:extLst>
               </a:tr>
@@ -10095,7 +9989,7 @@
                 </a:tc>
                 <a:extLst>
                   <a:ext uri="{0D108BD9-81ED-4DB2-BD59-A6C34878D82A}">
-                    <a16:rowId xmlns:a16="http://schemas.microsoft.com/office/drawing/2014/main" xmlns="" val="3574201322"/>
+                    <a16:rowId xmlns="" xmlns:a16="http://schemas.microsoft.com/office/drawing/2014/main" val="3574201322"/>
                   </a:ext>
                 </a:extLst>
               </a:tr>
@@ -10277,7 +10171,7 @@
                 </a:tc>
                 <a:extLst>
                   <a:ext uri="{0D108BD9-81ED-4DB2-BD59-A6C34878D82A}">
-                    <a16:rowId xmlns:a16="http://schemas.microsoft.com/office/drawing/2014/main" xmlns="" val="752529718"/>
+                    <a16:rowId xmlns="" xmlns:a16="http://schemas.microsoft.com/office/drawing/2014/main" val="752529718"/>
                   </a:ext>
                 </a:extLst>
               </a:tr>
@@ -10459,7 +10353,7 @@
                 </a:tc>
                 <a:extLst>
                   <a:ext uri="{0D108BD9-81ED-4DB2-BD59-A6C34878D82A}">
-                    <a16:rowId xmlns:a16="http://schemas.microsoft.com/office/drawing/2014/main" xmlns="" val="2492412396"/>
+                    <a16:rowId xmlns="" xmlns:a16="http://schemas.microsoft.com/office/drawing/2014/main" val="2492412396"/>
                   </a:ext>
                 </a:extLst>
               </a:tr>
@@ -10641,7 +10535,7 @@
                 </a:tc>
                 <a:extLst>
                   <a:ext uri="{0D108BD9-81ED-4DB2-BD59-A6C34878D82A}">
-                    <a16:rowId xmlns:a16="http://schemas.microsoft.com/office/drawing/2014/main" xmlns="" val="1426150357"/>
+                    <a16:rowId xmlns="" xmlns:a16="http://schemas.microsoft.com/office/drawing/2014/main" val="1426150357"/>
                   </a:ext>
                 </a:extLst>
               </a:tr>
@@ -10897,15 +10791,7 @@
                   <a:schemeClr val="tx1"/>
                 </a:solidFill>
               </a:rPr>
-              <a:t>Negative Review </a:t>
-            </a:r>
-            <a:r>
-              <a:rPr lang="en-AU" sz="2800" dirty="0" smtClean="0">
-                <a:solidFill>
-                  <a:schemeClr val="tx1"/>
-                </a:solidFill>
-              </a:rPr>
-              <a:t>Notifications</a:t>
+              <a:t>Negative Review Notifications</a:t>
             </a:r>
             <a:endParaRPr lang="en-AU" sz="2800" dirty="0">
               <a:solidFill>
@@ -12521,21 +12407,8 @@
                   <a:schemeClr val="tx1"/>
                 </a:solidFill>
               </a:rPr>
-              <a:t>Story </a:t>
-            </a:r>
-            <a:r>
-              <a:rPr lang="en-AU" sz="2000" dirty="0">
-                <a:solidFill>
-                  <a:schemeClr val="tx1"/>
-                </a:solidFill>
-              </a:rPr>
-              <a:t>1</a:t>
-            </a:r>
-            <a:endParaRPr lang="en-AU" sz="2000" dirty="0">
-              <a:solidFill>
-                <a:schemeClr val="tx1"/>
-              </a:solidFill>
-            </a:endParaRPr>
+              <a:t>Story 1</a:t>
+            </a:r>
           </a:p>
         </p:txBody>
       </p:sp>
@@ -12588,15 +12461,7 @@
                   <a:schemeClr val="tx1"/>
                 </a:solidFill>
               </a:rPr>
-              <a:t>Home </a:t>
-            </a:r>
-            <a:r>
-              <a:rPr lang="en-AU" sz="2800" dirty="0" smtClean="0">
-                <a:solidFill>
-                  <a:schemeClr val="tx1"/>
-                </a:solidFill>
-              </a:rPr>
-              <a:t>Page</a:t>
+              <a:t>Home Page</a:t>
             </a:r>
             <a:endParaRPr lang="en-AU" sz="2800" dirty="0">
               <a:solidFill>
@@ -12791,15 +12656,7 @@
                   <a:schemeClr val="tx1"/>
                 </a:solidFill>
               </a:rPr>
-              <a:t>i</a:t>
-            </a:r>
-            <a:r>
-              <a:rPr lang="en-US" sz="2000" dirty="0" smtClean="0">
-                <a:solidFill>
-                  <a:schemeClr val="tx1"/>
-                </a:solidFill>
-              </a:rPr>
-              <a:t>mages, rating, pricing and basic utilities information</a:t>
+              <a:t>images, rating, pricing and basic utilities information</a:t>
             </a:r>
           </a:p>
           <a:p>
@@ -13134,21 +12991,8 @@
                   <a:schemeClr val="tx1"/>
                 </a:solidFill>
               </a:rPr>
-              <a:t>Story </a:t>
-            </a:r>
-            <a:r>
-              <a:rPr lang="en-AU" sz="2000" dirty="0">
-                <a:solidFill>
-                  <a:schemeClr val="tx1"/>
-                </a:solidFill>
-              </a:rPr>
-              <a:t>2</a:t>
-            </a:r>
-            <a:endParaRPr lang="en-AU" sz="2000" dirty="0">
-              <a:solidFill>
-                <a:schemeClr val="tx1"/>
-              </a:solidFill>
-            </a:endParaRPr>
+              <a:t>Story 2</a:t>
+            </a:r>
           </a:p>
         </p:txBody>
       </p:sp>
@@ -13384,15 +13228,7 @@
                   <a:schemeClr val="tx1"/>
                 </a:solidFill>
               </a:rPr>
-              <a:t>Displays t</a:t>
-            </a:r>
-            <a:r>
-              <a:rPr lang="en-AU" sz="2000" dirty="0" smtClean="0">
-                <a:solidFill>
-                  <a:schemeClr val="tx1"/>
-                </a:solidFill>
-              </a:rPr>
-              <a:t>he main image of each property</a:t>
+              <a:t>Displays the main image of each property</a:t>
             </a:r>
           </a:p>
           <a:p>
@@ -15101,23 +14937,7 @@
                   <a:schemeClr val="tx1"/>
                 </a:solidFill>
               </a:rPr>
-              <a:t>As the owner of the website, the details of the owners, staff members and tenants need to be </a:t>
-            </a:r>
-            <a:r>
-              <a:rPr lang="en-US" sz="2400" dirty="0" smtClean="0">
-                <a:solidFill>
-                  <a:schemeClr val="tx1"/>
-                </a:solidFill>
-              </a:rPr>
-              <a:t>collected </a:t>
-            </a:r>
-            <a:r>
-              <a:rPr lang="en-US" sz="2400" dirty="0" smtClean="0">
-                <a:solidFill>
-                  <a:schemeClr val="tx1"/>
-                </a:solidFill>
-              </a:rPr>
-              <a:t>for legal reasons and to assist in the conducting of business</a:t>
+              <a:t>As the owner of the website, the details of the owners, staff members and tenants need to be collected for legal reasons and to assist in the conducting of business</a:t>
             </a:r>
             <a:endParaRPr lang="en-AU" sz="2400" dirty="0">
               <a:solidFill>
@@ -15537,21 +15357,8 @@
                   <a:schemeClr val="tx1"/>
                 </a:solidFill>
               </a:rPr>
-              <a:t>Story </a:t>
-            </a:r>
-            <a:r>
-              <a:rPr lang="en-AU" sz="2000" dirty="0">
-                <a:solidFill>
-                  <a:schemeClr val="tx1"/>
-                </a:solidFill>
-              </a:rPr>
-              <a:t>6</a:t>
-            </a:r>
-            <a:endParaRPr lang="en-AU" sz="2000" dirty="0">
-              <a:solidFill>
-                <a:schemeClr val="tx1"/>
-              </a:solidFill>
-            </a:endParaRPr>
+              <a:t>Story 6</a:t>
+            </a:r>
           </a:p>
         </p:txBody>
       </p:sp>
@@ -15604,7 +15411,15 @@
                   <a:schemeClr val="tx1"/>
                 </a:solidFill>
               </a:rPr>
-              <a:t>View Profile Information</a:t>
+              <a:t>View/Edit Account </a:t>
+            </a:r>
+            <a:r>
+              <a:rPr lang="en-AU" sz="2800" dirty="0" smtClean="0">
+                <a:solidFill>
+                  <a:schemeClr val="tx1"/>
+                </a:solidFill>
+              </a:rPr>
+              <a:t>Information</a:t>
             </a:r>
             <a:endParaRPr lang="en-AU" sz="2800" dirty="0">
               <a:solidFill>
@@ -16149,21 +15964,8 @@
                   <a:schemeClr val="tx1"/>
                 </a:solidFill>
               </a:rPr>
-              <a:t>Story </a:t>
-            </a:r>
-            <a:r>
-              <a:rPr lang="en-AU" sz="2000" dirty="0">
-                <a:solidFill>
-                  <a:schemeClr val="tx1"/>
-                </a:solidFill>
-              </a:rPr>
-              <a:t>7</a:t>
-            </a:r>
-            <a:endParaRPr lang="en-AU" sz="2000" dirty="0">
-              <a:solidFill>
-                <a:schemeClr val="tx1"/>
-              </a:solidFill>
-            </a:endParaRPr>
+              <a:t>Story 7</a:t>
+            </a:r>
           </a:p>
         </p:txBody>
       </p:sp>

--- a/Story Cards version a million.pptx
+++ b/Story Cards version a million.pptx
@@ -4240,8 +4240,8 @@
         </p:nvSpPr>
         <p:spPr>
           <a:xfrm>
-            <a:off x="39153" y="3335530"/>
-            <a:ext cx="9828000" cy="1620000"/>
+            <a:off x="39153" y="3335529"/>
+            <a:ext cx="9828000" cy="1812667"/>
           </a:xfrm>
           <a:prstGeom prst="rect">
             <a:avLst/>
@@ -4345,7 +4345,29 @@
                   <a:schemeClr val="tx1"/>
                 </a:solidFill>
               </a:rPr>
-              <a:t> Small image or font-based icons could be used to represent some of this information. (fontawesome.io provides some good icons)</a:t>
+              <a:t> Small image or font-based icons could be used to represent some of this information. (fontawesome.io provides some good icons</a:t>
+            </a:r>
+            <a:r>
+              <a:rPr lang="en-US" dirty="0" smtClean="0">
+                <a:solidFill>
+                  <a:schemeClr val="tx1"/>
+                </a:solidFill>
+              </a:rPr>
+              <a:t>)</a:t>
+            </a:r>
+          </a:p>
+          <a:p>
+            <a:pPr marL="285750" indent="-285750">
+              <a:buFont typeface="Arial" panose="020B0604020202020204" pitchFamily="34" charset="0"/>
+              <a:buChar char="•"/>
+            </a:pPr>
+            <a:r>
+              <a:rPr lang="en-US" dirty="0" smtClean="0">
+                <a:solidFill>
+                  <a:schemeClr val="tx1"/>
+                </a:solidFill>
+              </a:rPr>
+              <a:t>Google Maps window with pin on property address – (movable window?)</a:t>
             </a:r>
             <a:endParaRPr lang="en-AU" dirty="0">
               <a:solidFill>
@@ -4503,8 +4525,8 @@
         </p:nvSpPr>
         <p:spPr>
           <a:xfrm>
-            <a:off x="39153" y="5128590"/>
-            <a:ext cx="9828000" cy="1620000"/>
+            <a:off x="39153" y="5323562"/>
+            <a:ext cx="9828000" cy="1425028"/>
           </a:xfrm>
           <a:prstGeom prst="rect">
             <a:avLst/>
@@ -5372,7 +5394,7 @@
             <a:r>
               <a:rPr lang="en-AU" sz="2800" dirty="0" smtClean="0">
                 <a:solidFill>
-                  <a:schemeClr val="tx1"/>
+                  <a:srgbClr val="FF0000"/>
                 </a:solidFill>
               </a:rPr>
               <a:t>Make </a:t>
@@ -5380,7 +5402,7 @@
             <a:r>
               <a:rPr lang="en-AU" sz="2800" dirty="0">
                 <a:solidFill>
-                  <a:schemeClr val="tx1"/>
+                  <a:srgbClr val="FF0000"/>
                 </a:solidFill>
               </a:rPr>
               <a:t>a</a:t>
@@ -5388,14 +5410,14 @@
             <a:r>
               <a:rPr lang="en-AU" sz="2800" dirty="0" smtClean="0">
                 <a:solidFill>
-                  <a:schemeClr val="tx1"/>
+                  <a:srgbClr val="FF0000"/>
                 </a:solidFill>
               </a:rPr>
               <a:t> Booking</a:t>
             </a:r>
             <a:endParaRPr lang="en-AU" sz="2800" dirty="0">
               <a:solidFill>
-                <a:schemeClr val="tx1"/>
+                <a:srgbClr val="FF0000"/>
               </a:solidFill>
             </a:endParaRPr>
           </a:p>
@@ -6530,14 +6552,14 @@
             <a:r>
               <a:rPr lang="en-AU" sz="2800" dirty="0" smtClean="0">
                 <a:solidFill>
-                  <a:schemeClr val="tx1"/>
+                  <a:srgbClr val="FF0000"/>
                 </a:solidFill>
               </a:rPr>
               <a:t>Booking Modifications</a:t>
             </a:r>
             <a:endParaRPr lang="en-AU" sz="2800" dirty="0">
               <a:solidFill>
-                <a:schemeClr val="tx1"/>
+                <a:srgbClr val="FF0000"/>
               </a:solidFill>
             </a:endParaRPr>
           </a:p>
@@ -7632,14 +7654,14 @@
             <a:r>
               <a:rPr lang="en-AU" sz="2800" dirty="0" smtClean="0">
                 <a:solidFill>
-                  <a:schemeClr val="tx1"/>
+                  <a:srgbClr val="FF0000"/>
                 </a:solidFill>
               </a:rPr>
               <a:t>Encryption of Information</a:t>
             </a:r>
             <a:endParaRPr lang="en-AU" sz="2800" dirty="0">
               <a:solidFill>
-                <a:schemeClr val="tx1"/>
+                <a:srgbClr val="FF0000"/>
               </a:solidFill>
             </a:endParaRPr>
           </a:p>
@@ -9253,21 +9275,21 @@
                 <a:gridCol w="2386710">
                   <a:extLst>
                     <a:ext uri="{9D8B030D-6E8A-4147-A177-3AD203B41FA5}">
-                      <a16:colId xmlns="" xmlns:a16="http://schemas.microsoft.com/office/drawing/2014/main" val="4227752072"/>
+                      <a16:colId xmlns:a16="http://schemas.microsoft.com/office/drawing/2014/main" xmlns="" val="4227752072"/>
                     </a:ext>
                   </a:extLst>
                 </a:gridCol>
                 <a:gridCol w="2386710">
                   <a:extLst>
                     <a:ext uri="{9D8B030D-6E8A-4147-A177-3AD203B41FA5}">
-                      <a16:colId xmlns="" xmlns:a16="http://schemas.microsoft.com/office/drawing/2014/main" val="3236106017"/>
+                      <a16:colId xmlns:a16="http://schemas.microsoft.com/office/drawing/2014/main" xmlns="" val="3236106017"/>
                     </a:ext>
                   </a:extLst>
                 </a:gridCol>
                 <a:gridCol w="2386710">
                   <a:extLst>
                     <a:ext uri="{9D8B030D-6E8A-4147-A177-3AD203B41FA5}">
-                      <a16:colId xmlns="" xmlns:a16="http://schemas.microsoft.com/office/drawing/2014/main" val="3392291262"/>
+                      <a16:colId xmlns:a16="http://schemas.microsoft.com/office/drawing/2014/main" xmlns="" val="3392291262"/>
                     </a:ext>
                   </a:extLst>
                 </a:gridCol>
@@ -9443,7 +9465,7 @@
                 </a:tc>
                 <a:extLst>
                   <a:ext uri="{0D108BD9-81ED-4DB2-BD59-A6C34878D82A}">
-                    <a16:rowId xmlns="" xmlns:a16="http://schemas.microsoft.com/office/drawing/2014/main" val="1007940399"/>
+                    <a16:rowId xmlns:a16="http://schemas.microsoft.com/office/drawing/2014/main" xmlns="" val="1007940399"/>
                   </a:ext>
                 </a:extLst>
               </a:tr>
@@ -9625,7 +9647,7 @@
                 </a:tc>
                 <a:extLst>
                   <a:ext uri="{0D108BD9-81ED-4DB2-BD59-A6C34878D82A}">
-                    <a16:rowId xmlns="" xmlns:a16="http://schemas.microsoft.com/office/drawing/2014/main" val="2137882582"/>
+                    <a16:rowId xmlns:a16="http://schemas.microsoft.com/office/drawing/2014/main" xmlns="" val="2137882582"/>
                   </a:ext>
                 </a:extLst>
               </a:tr>
@@ -9807,7 +9829,7 @@
                 </a:tc>
                 <a:extLst>
                   <a:ext uri="{0D108BD9-81ED-4DB2-BD59-A6C34878D82A}">
-                    <a16:rowId xmlns="" xmlns:a16="http://schemas.microsoft.com/office/drawing/2014/main" val="698170432"/>
+                    <a16:rowId xmlns:a16="http://schemas.microsoft.com/office/drawing/2014/main" xmlns="" val="698170432"/>
                   </a:ext>
                 </a:extLst>
               </a:tr>
@@ -9989,7 +10011,7 @@
                 </a:tc>
                 <a:extLst>
                   <a:ext uri="{0D108BD9-81ED-4DB2-BD59-A6C34878D82A}">
-                    <a16:rowId xmlns="" xmlns:a16="http://schemas.microsoft.com/office/drawing/2014/main" val="3574201322"/>
+                    <a16:rowId xmlns:a16="http://schemas.microsoft.com/office/drawing/2014/main" xmlns="" val="3574201322"/>
                   </a:ext>
                 </a:extLst>
               </a:tr>
@@ -10171,7 +10193,7 @@
                 </a:tc>
                 <a:extLst>
                   <a:ext uri="{0D108BD9-81ED-4DB2-BD59-A6C34878D82A}">
-                    <a16:rowId xmlns="" xmlns:a16="http://schemas.microsoft.com/office/drawing/2014/main" val="752529718"/>
+                    <a16:rowId xmlns:a16="http://schemas.microsoft.com/office/drawing/2014/main" xmlns="" val="752529718"/>
                   </a:ext>
                 </a:extLst>
               </a:tr>
@@ -10353,7 +10375,7 @@
                 </a:tc>
                 <a:extLst>
                   <a:ext uri="{0D108BD9-81ED-4DB2-BD59-A6C34878D82A}">
-                    <a16:rowId xmlns="" xmlns:a16="http://schemas.microsoft.com/office/drawing/2014/main" val="2492412396"/>
+                    <a16:rowId xmlns:a16="http://schemas.microsoft.com/office/drawing/2014/main" xmlns="" val="2492412396"/>
                   </a:ext>
                 </a:extLst>
               </a:tr>
@@ -10535,7 +10557,7 @@
                 </a:tc>
                 <a:extLst>
                   <a:ext uri="{0D108BD9-81ED-4DB2-BD59-A6C34878D82A}">
-                    <a16:rowId xmlns="" xmlns:a16="http://schemas.microsoft.com/office/drawing/2014/main" val="1426150357"/>
+                    <a16:rowId xmlns:a16="http://schemas.microsoft.com/office/drawing/2014/main" xmlns="" val="1426150357"/>
                   </a:ext>
                 </a:extLst>
               </a:tr>
@@ -10788,14 +10810,14 @@
             <a:r>
               <a:rPr lang="en-AU" sz="2800" dirty="0" smtClean="0">
                 <a:solidFill>
-                  <a:schemeClr val="tx1"/>
+                  <a:srgbClr val="FF0000"/>
                 </a:solidFill>
               </a:rPr>
               <a:t>Negative Review Notifications</a:t>
             </a:r>
             <a:endParaRPr lang="en-AU" sz="2800" dirty="0">
               <a:solidFill>
-                <a:schemeClr val="tx1"/>
+                <a:srgbClr val="FF0000"/>
               </a:solidFill>
             </a:endParaRPr>
           </a:p>
@@ -11327,14 +11349,14 @@
             <a:r>
               <a:rPr lang="en-AU" sz="2800" dirty="0" smtClean="0">
                 <a:solidFill>
-                  <a:schemeClr val="tx1"/>
+                  <a:srgbClr val="FF0000"/>
                 </a:solidFill>
               </a:rPr>
               <a:t>Social Media Links</a:t>
             </a:r>
             <a:endParaRPr lang="en-AU" sz="2800" dirty="0">
               <a:solidFill>
-                <a:schemeClr val="tx1"/>
+                <a:srgbClr val="FF0000"/>
               </a:solidFill>
             </a:endParaRPr>
           </a:p>
@@ -11912,7 +11934,7 @@
             <a:r>
               <a:rPr lang="en-AU" sz="2800" dirty="0" smtClean="0">
                 <a:solidFill>
-                  <a:schemeClr val="tx1"/>
+                  <a:srgbClr val="FF0000"/>
                 </a:solidFill>
               </a:rPr>
               <a:t>Constant Server </a:t>
@@ -11920,7 +11942,7 @@
             <a:r>
               <a:rPr lang="en-AU" sz="2800" dirty="0">
                 <a:solidFill>
-                  <a:schemeClr val="tx1"/>
+                  <a:srgbClr val="FF0000"/>
                 </a:solidFill>
               </a:rPr>
               <a:t>Hosting</a:t>
@@ -14433,7 +14455,15 @@
                   <a:schemeClr val="tx1"/>
                 </a:solidFill>
               </a:rPr>
-              <a:t>Login button</a:t>
+              <a:t>Login </a:t>
+            </a:r>
+            <a:r>
+              <a:rPr lang="en-US" sz="2000" dirty="0" smtClean="0">
+                <a:solidFill>
+                  <a:schemeClr val="tx1"/>
+                </a:solidFill>
+              </a:rPr>
+              <a:t>button</a:t>
             </a:r>
           </a:p>
           <a:p>
@@ -14455,7 +14485,37 @@
                   <a:schemeClr val="tx1"/>
                 </a:solidFill>
               </a:rPr>
-              <a:t> create account, the relevant create account form displays, error will display if no </a:t>
+              <a:t> create account, the relevant create account form </a:t>
+            </a:r>
+            <a:r>
+              <a:rPr lang="en-AU" sz="2000" dirty="0" smtClean="0">
+                <a:solidFill>
+                  <a:schemeClr val="tx1"/>
+                </a:solidFill>
+              </a:rPr>
+              <a:t>displays</a:t>
+            </a:r>
+          </a:p>
+          <a:p>
+            <a:pPr marL="179388" indent="-179388">
+              <a:buFont typeface="Arial" pitchFamily="34" charset="0"/>
+              <a:buChar char="•"/>
+            </a:pPr>
+            <a:r>
+              <a:rPr lang="en-AU" sz="2000" dirty="0" smtClean="0">
+                <a:solidFill>
+                  <a:schemeClr val="tx1"/>
+                </a:solidFill>
+              </a:rPr>
+              <a:t>error </a:t>
+            </a:r>
+            <a:r>
+              <a:rPr lang="en-AU" sz="2000" dirty="0">
+                <a:solidFill>
+                  <a:schemeClr val="tx1"/>
+                </a:solidFill>
+              </a:rPr>
+              <a:t>will display if no </a:t>
             </a:r>
             <a:r>
               <a:rPr lang="en-AU" sz="2000" dirty="0" err="1">
@@ -15411,15 +15471,7 @@
                   <a:schemeClr val="tx1"/>
                 </a:solidFill>
               </a:rPr>
-              <a:t>View/Edit Account </a:t>
-            </a:r>
-            <a:r>
-              <a:rPr lang="en-AU" sz="2800" dirty="0" smtClean="0">
-                <a:solidFill>
-                  <a:schemeClr val="tx1"/>
-                </a:solidFill>
-              </a:rPr>
-              <a:t>Information</a:t>
+              <a:t>View/Edit Account Information</a:t>
             </a:r>
             <a:endParaRPr lang="en-AU" sz="2800" dirty="0">
               <a:solidFill>

--- a/Story Cards version a million.pptx
+++ b/Story Cards version a million.pptx
@@ -21,11 +21,11 @@
     <p:sldId id="324" r:id="rId15"/>
     <p:sldId id="322" r:id="rId16"/>
     <p:sldId id="302" r:id="rId17"/>
-    <p:sldId id="308" r:id="rId18"/>
-    <p:sldId id="309" r:id="rId19"/>
-    <p:sldId id="275" r:id="rId20"/>
-    <p:sldId id="276" r:id="rId21"/>
-    <p:sldId id="321" r:id="rId22"/>
+    <p:sldId id="329" r:id="rId18"/>
+    <p:sldId id="330" r:id="rId19"/>
+    <p:sldId id="308" r:id="rId20"/>
+    <p:sldId id="309" r:id="rId21"/>
+    <p:sldId id="276" r:id="rId22"/>
     <p:sldId id="328" r:id="rId23"/>
   </p:sldIdLst>
   <p:sldSz cx="9906000" cy="6858000" type="A4"/>
@@ -3479,14 +3479,14 @@
             <a:r>
               <a:rPr lang="en-AU" sz="2800" dirty="0" smtClean="0">
                 <a:solidFill>
-                  <a:schemeClr val="tx1"/>
+                  <a:srgbClr val="FF0000"/>
                 </a:solidFill>
               </a:rPr>
               <a:t>Search Bar/Panel</a:t>
             </a:r>
             <a:endParaRPr lang="en-AU" sz="2800" dirty="0">
               <a:solidFill>
-                <a:schemeClr val="tx1"/>
+                <a:srgbClr val="FF0000"/>
               </a:solidFill>
             </a:endParaRPr>
           </a:p>
@@ -3725,7 +3725,7 @@
                   <a:schemeClr val="tx1"/>
                 </a:solidFill>
               </a:rPr>
-              <a:t>Remember search </a:t>
+              <a:t>Selected filter options remembered so </a:t>
             </a:r>
             <a:r>
               <a:rPr lang="en-US" sz="2000" dirty="0">
@@ -3733,7 +3733,7 @@
                   <a:schemeClr val="tx1"/>
                 </a:solidFill>
               </a:rPr>
-              <a:t>history so that </a:t>
+              <a:t>that </a:t>
             </a:r>
             <a:r>
               <a:rPr lang="en-US" sz="2000" dirty="0" smtClean="0">
@@ -3987,8 +3987,21 @@
                   <a:schemeClr val="tx1"/>
                 </a:solidFill>
               </a:rPr>
-              <a:t>The ability to search by any different feature.</a:t>
-            </a:r>
+              <a:t>The ability to search by any </a:t>
+            </a:r>
+            <a:r>
+              <a:rPr lang="en-AU" sz="2000" dirty="0" smtClean="0">
+                <a:solidFill>
+                  <a:schemeClr val="tx1"/>
+                </a:solidFill>
+              </a:rPr>
+              <a:t>criterion.</a:t>
+            </a:r>
+            <a:endParaRPr lang="en-AU" sz="2000" dirty="0">
+              <a:solidFill>
+                <a:schemeClr val="tx1"/>
+              </a:solidFill>
+            </a:endParaRPr>
           </a:p>
           <a:p>
             <a:pPr marL="342900" indent="-342900">
@@ -4139,14 +4152,14 @@
             <a:r>
               <a:rPr lang="en-AU" sz="2800" dirty="0" smtClean="0">
                 <a:solidFill>
-                  <a:schemeClr val="tx1"/>
+                  <a:srgbClr val="FF0000"/>
                 </a:solidFill>
               </a:rPr>
               <a:t>View Property Information</a:t>
             </a:r>
             <a:endParaRPr lang="en-AU" sz="2800" dirty="0">
               <a:solidFill>
-                <a:schemeClr val="tx1"/>
+                <a:srgbClr val="FF0000"/>
               </a:solidFill>
             </a:endParaRPr>
           </a:p>
@@ -4355,25 +4368,6 @@
               </a:rPr>
               <a:t>)</a:t>
             </a:r>
-          </a:p>
-          <a:p>
-            <a:pPr marL="285750" indent="-285750">
-              <a:buFont typeface="Arial" panose="020B0604020202020204" pitchFamily="34" charset="0"/>
-              <a:buChar char="•"/>
-            </a:pPr>
-            <a:r>
-              <a:rPr lang="en-US" dirty="0" smtClean="0">
-                <a:solidFill>
-                  <a:schemeClr val="tx1"/>
-                </a:solidFill>
-              </a:rPr>
-              <a:t>Google Maps window with pin on property address – (movable window?)</a:t>
-            </a:r>
-            <a:endParaRPr lang="en-AU" dirty="0">
-              <a:solidFill>
-                <a:schemeClr val="tx1"/>
-              </a:solidFill>
-            </a:endParaRPr>
           </a:p>
           <a:p>
             <a:pPr marL="285750" indent="-285750">
@@ -4563,13 +4557,40 @@
           <a:lstStyle/>
           <a:p>
             <a:r>
-              <a:rPr lang="en-AU" sz="2000" dirty="0">
+              <a:rPr lang="en-AU" sz="2000" dirty="0" smtClean="0">
                 <a:solidFill>
                   <a:schemeClr val="tx1"/>
                 </a:solidFill>
               </a:rPr>
               <a:t>Notes</a:t>
             </a:r>
+          </a:p>
+          <a:p>
+            <a:pPr marL="342900" indent="-342900">
+              <a:buFont typeface="Arial" panose="020B0604020202020204" pitchFamily="34" charset="0"/>
+              <a:buChar char="•"/>
+            </a:pPr>
+            <a:r>
+              <a:rPr lang="en-US" sz="2000" dirty="0">
+                <a:solidFill>
+                  <a:schemeClr val="tx1"/>
+                </a:solidFill>
+              </a:rPr>
+              <a:t>Google Maps window with pin on property address – (movable window</a:t>
+            </a:r>
+            <a:r>
+              <a:rPr lang="en-US" sz="2000" dirty="0" smtClean="0">
+                <a:solidFill>
+                  <a:schemeClr val="tx1"/>
+                </a:solidFill>
+              </a:rPr>
+              <a:t>?)</a:t>
+            </a:r>
+            <a:endParaRPr lang="en-AU" sz="2000" dirty="0" smtClean="0">
+              <a:solidFill>
+                <a:schemeClr val="tx1"/>
+              </a:solidFill>
+            </a:endParaRPr>
           </a:p>
           <a:p>
             <a:pPr marL="179388" indent="-179388">
@@ -5616,7 +5637,15 @@
                   <a:schemeClr val="tx1"/>
                 </a:solidFill>
               </a:rPr>
-              <a:t>Update availabilities (in real time?)</a:t>
+              <a:t>Update availabilities (in real </a:t>
+            </a:r>
+            <a:r>
+              <a:rPr lang="en-US" dirty="0" smtClean="0">
+                <a:solidFill>
+                  <a:schemeClr val="tx1"/>
+                </a:solidFill>
+              </a:rPr>
+              <a:t>time)</a:t>
             </a:r>
             <a:endParaRPr lang="en-AU" dirty="0">
               <a:solidFill>
@@ -5825,6 +5854,28 @@
               <a:buFont typeface="Arial" pitchFamily="34" charset="0"/>
               <a:buChar char="•"/>
             </a:pPr>
+            <a:r>
+              <a:rPr lang="en-AU" sz="2000" dirty="0" smtClean="0">
+                <a:solidFill>
+                  <a:schemeClr val="tx1"/>
+                </a:solidFill>
+              </a:rPr>
+              <a:t>Calendar/ date functions</a:t>
+            </a:r>
+          </a:p>
+          <a:p>
+            <a:pPr marL="179388" indent="-179388">
+              <a:buFont typeface="Arial" pitchFamily="34" charset="0"/>
+              <a:buChar char="•"/>
+            </a:pPr>
+            <a:r>
+              <a:rPr lang="en-AU" sz="2000" dirty="0" smtClean="0">
+                <a:solidFill>
+                  <a:schemeClr val="tx1"/>
+                </a:solidFill>
+              </a:rPr>
+              <a:t>A booking should not be able to be made at the same time</a:t>
+            </a:r>
             <a:endParaRPr lang="en-AU" sz="2000" dirty="0">
               <a:solidFill>
                 <a:schemeClr val="tx1"/>
@@ -6942,13 +6993,54 @@
           <a:lstStyle/>
           <a:p>
             <a:r>
-              <a:rPr lang="en-AU" sz="2000" dirty="0">
+              <a:rPr lang="en-AU" sz="2000" dirty="0" smtClean="0">
                 <a:solidFill>
                   <a:schemeClr val="tx1"/>
                 </a:solidFill>
               </a:rPr>
               <a:t>Notes</a:t>
             </a:r>
+          </a:p>
+          <a:p>
+            <a:pPr marL="342900" indent="-342900">
+              <a:buFont typeface="Arial" panose="020B0604020202020204" pitchFamily="34" charset="0"/>
+              <a:buChar char="•"/>
+            </a:pPr>
+            <a:r>
+              <a:rPr lang="en-AU" sz="2000" dirty="0" smtClean="0">
+                <a:solidFill>
+                  <a:schemeClr val="tx1"/>
+                </a:solidFill>
+              </a:rPr>
+              <a:t>Are you sure? Y/N </a:t>
+            </a:r>
+            <a:r>
+              <a:rPr lang="en-AU" sz="2000" dirty="0" smtClean="0">
+                <a:solidFill>
+                  <a:schemeClr val="tx1"/>
+                </a:solidFill>
+              </a:rPr>
+              <a:t>Pop up box</a:t>
+            </a:r>
+          </a:p>
+          <a:p>
+            <a:pPr marL="342900" indent="-342900">
+              <a:buFont typeface="Arial" panose="020B0604020202020204" pitchFamily="34" charset="0"/>
+              <a:buChar char="•"/>
+            </a:pPr>
+            <a:r>
+              <a:rPr lang="en-AU" sz="2000" dirty="0" smtClean="0">
+                <a:solidFill>
+                  <a:schemeClr val="tx1"/>
+                </a:solidFill>
+              </a:rPr>
+              <a:t>Calendar/Date class</a:t>
+            </a:r>
+            <a:endParaRPr lang="en-AU" sz="2000" dirty="0">
+              <a:solidFill>
+                <a:schemeClr val="tx1"/>
+              </a:solidFill>
+            </a:endParaRPr>
           </a:p>
         </p:txBody>
       </p:sp>
@@ -7495,7 +7587,7 @@
                   <a:schemeClr val="tx1"/>
                 </a:solidFill>
               </a:rPr>
-              <a:t>counter should only be visible to admin and owners</a:t>
+              <a:t>page reloads should also not affect the counter</a:t>
             </a:r>
             <a:endParaRPr lang="en-AU" sz="2000" dirty="0">
               <a:solidFill>
@@ -7654,14 +7746,14 @@
             <a:r>
               <a:rPr lang="en-AU" sz="2800" dirty="0" smtClean="0">
                 <a:solidFill>
-                  <a:srgbClr val="FF0000"/>
-                </a:solidFill>
-              </a:rPr>
-              <a:t>Encryption of Information</a:t>
+                  <a:schemeClr val="tx1"/>
+                </a:solidFill>
+              </a:rPr>
+              <a:t>Star Rating System</a:t>
             </a:r>
             <a:endParaRPr lang="en-AU" sz="2800" dirty="0">
               <a:solidFill>
-                <a:srgbClr val="FF0000"/>
+                <a:schemeClr val="tx1"/>
               </a:solidFill>
             </a:endParaRPr>
           </a:p>
@@ -7721,7 +7813,23 @@
                   <a:schemeClr val="tx1"/>
                 </a:solidFill>
               </a:rPr>
-              <a:t>As a property owner I want to ensure that my information is secure when handling sensitive information.</a:t>
+              <a:t>As a </a:t>
+            </a:r>
+            <a:r>
+              <a:rPr lang="en-US" sz="2400" dirty="0" smtClean="0">
+                <a:solidFill>
+                  <a:schemeClr val="tx1"/>
+                </a:solidFill>
+              </a:rPr>
+              <a:t>prospective tenant </a:t>
+            </a:r>
+            <a:r>
+              <a:rPr lang="en-US" sz="2400" dirty="0">
+                <a:solidFill>
+                  <a:schemeClr val="tx1"/>
+                </a:solidFill>
+              </a:rPr>
+              <a:t>I want a rating system for property listings so that I can get a better understanding of a house’s value. </a:t>
             </a:r>
             <a:endParaRPr lang="en-AU" sz="2400" dirty="0">
               <a:solidFill>
@@ -7808,16 +7916,13 @@
                   <a:schemeClr val="tx1"/>
                 </a:solidFill>
               </a:rPr>
-              <a:t>E-mail and personal information encryption</a:t>
-            </a:r>
-            <a:r>
-              <a:rPr lang="en-US" dirty="0" smtClean="0">
-                <a:solidFill>
-                  <a:schemeClr val="tx1"/>
-                </a:solidFill>
-              </a:rPr>
-              <a:t>.</a:t>
-            </a:r>
+              <a:t>A rating system which will allow previous tenants to rate properties using stars, i.e. (one star for bad, five stars for great)</a:t>
+            </a:r>
+            <a:endParaRPr lang="en-AU" dirty="0">
+              <a:solidFill>
+                <a:schemeClr val="tx1"/>
+              </a:solidFill>
+            </a:endParaRPr>
           </a:p>
           <a:p>
             <a:pPr marL="285750" indent="-285750">
@@ -7825,22 +7930,47 @@
               <a:buChar char="•"/>
             </a:pPr>
             <a:r>
-              <a:rPr lang="en-AU" dirty="0">
-                <a:solidFill>
-                  <a:schemeClr val="tx1"/>
-                </a:solidFill>
-              </a:rPr>
-              <a:t>Passwords should be stored as salted </a:t>
-            </a:r>
-            <a:r>
-              <a:rPr lang="en-AU" dirty="0" smtClean="0">
-                <a:solidFill>
-                  <a:schemeClr val="tx1"/>
-                </a:solidFill>
-              </a:rPr>
-              <a:t>hashes.</a:t>
+              <a:rPr lang="en-US" dirty="0">
+                <a:solidFill>
+                  <a:schemeClr val="tx1"/>
+                </a:solidFill>
+              </a:rPr>
+              <a:t>Moderation required – mandatory comments and explanation of </a:t>
+            </a:r>
+            <a:r>
+              <a:rPr lang="en-US" dirty="0" smtClean="0">
+                <a:solidFill>
+                  <a:schemeClr val="tx1"/>
+                </a:solidFill>
+              </a:rPr>
+              <a:t>rating</a:t>
+            </a:r>
+          </a:p>
+          <a:p>
+            <a:pPr marL="285750" indent="-285750">
+              <a:buFont typeface="Arial" panose="020B0604020202020204" pitchFamily="34" charset="0"/>
+              <a:buChar char="•"/>
+            </a:pPr>
+            <a:r>
+              <a:rPr lang="en-US" dirty="0" smtClean="0">
+                <a:solidFill>
+                  <a:schemeClr val="tx1"/>
+                </a:solidFill>
+              </a:rPr>
+              <a:t>Required admin approval.</a:t>
             </a:r>
             <a:endParaRPr lang="en-AU" dirty="0">
+              <a:solidFill>
+                <a:schemeClr val="tx1"/>
+              </a:solidFill>
+            </a:endParaRPr>
+          </a:p>
+          <a:p>
+            <a:pPr marL="179388" indent="-179388">
+              <a:buFont typeface="Arial" pitchFamily="34" charset="0"/>
+              <a:buChar char="•"/>
+            </a:pPr>
+            <a:endParaRPr lang="en-AU" sz="2000" dirty="0">
               <a:solidFill>
                 <a:schemeClr val="tx1"/>
               </a:solidFill>
@@ -7902,7 +8032,7 @@
                   <a:schemeClr val="tx1"/>
                 </a:solidFill>
               </a:rPr>
-              <a:t>8</a:t>
+              <a:t>5</a:t>
             </a:r>
             <a:endParaRPr lang="en-AU" sz="2000" dirty="0">
               <a:solidFill>
@@ -7967,7 +8097,7 @@
                   <a:schemeClr val="tx1"/>
                 </a:solidFill>
               </a:rPr>
-              <a:t>7</a:t>
+              <a:t>3</a:t>
             </a:r>
             <a:endParaRPr lang="en-AU" sz="2000" dirty="0">
               <a:solidFill>
@@ -8032,27 +8162,22 @@
             </a:r>
           </a:p>
           <a:p>
-            <a:pPr marL="342900" indent="-342900">
-              <a:buFont typeface="Arial" panose="020B0604020202020204" pitchFamily="34" charset="0"/>
+            <a:pPr marL="179388" indent="-179388">
+              <a:buFont typeface="Arial" pitchFamily="34" charset="0"/>
               <a:buChar char="•"/>
             </a:pPr>
             <a:r>
-              <a:rPr lang="en-AU" sz="2000" dirty="0" smtClean="0">
-                <a:solidFill>
-                  <a:schemeClr val="tx1"/>
-                </a:solidFill>
-              </a:rPr>
-              <a:t>.</a:t>
-            </a:r>
-            <a:endParaRPr lang="en-AU" sz="2000" dirty="0">
-              <a:solidFill>
-                <a:schemeClr val="tx1"/>
-              </a:solidFill>
-            </a:endParaRPr>
-          </a:p>
-          <a:p>
-            <a:pPr marL="342900" indent="-342900">
-              <a:buFont typeface="Arial" panose="020B0604020202020204" pitchFamily="34" charset="0"/>
+              <a:rPr lang="en-AU" sz="2000" dirty="0">
+                <a:solidFill>
+                  <a:schemeClr val="tx1"/>
+                </a:solidFill>
+              </a:rPr>
+              <a:t> The star system is linear from a min of one to a max of five.</a:t>
+            </a:r>
+          </a:p>
+          <a:p>
+            <a:pPr marL="179388" indent="-179388">
+              <a:buFont typeface="Arial" pitchFamily="34" charset="0"/>
               <a:buChar char="•"/>
             </a:pPr>
             <a:endParaRPr lang="en-AU" sz="2000" dirty="0">
@@ -8061,12 +8186,23 @@
               </a:solidFill>
             </a:endParaRPr>
           </a:p>
+          <a:p>
+            <a:pPr marL="179388" indent="-179388">
+              <a:buFont typeface="Arial" pitchFamily="34" charset="0"/>
+              <a:buChar char="•"/>
+            </a:pPr>
+            <a:endParaRPr lang="en-AU" sz="2000" dirty="0">
+              <a:solidFill>
+                <a:schemeClr val="tx1"/>
+              </a:solidFill>
+            </a:endParaRPr>
+          </a:p>
         </p:txBody>
       </p:sp>
     </p:spTree>
     <p:extLst>
       <p:ext uri="{BB962C8B-B14F-4D97-AF65-F5344CB8AC3E}">
-        <p14:creationId xmlns:p14="http://schemas.microsoft.com/office/powerpoint/2010/main" val="4205216894"/>
+        <p14:creationId xmlns:p14="http://schemas.microsoft.com/office/powerpoint/2010/main" val="2890061455"/>
       </p:ext>
     </p:extLst>
   </p:cSld>
@@ -8210,13 +8346,18 @@
           <a:p>
             <a:pPr algn="ctr"/>
             <a:r>
-              <a:rPr lang="en-AU" sz="2400" dirty="0">
-                <a:solidFill>
-                  <a:schemeClr val="tx1"/>
-                </a:solidFill>
-              </a:rPr>
-              <a:t>Secure Password Reset</a:t>
-            </a:r>
+              <a:rPr lang="en-AU" sz="2800" dirty="0" smtClean="0">
+                <a:solidFill>
+                  <a:srgbClr val="FF0000"/>
+                </a:solidFill>
+              </a:rPr>
+              <a:t>Social Media Links</a:t>
+            </a:r>
+            <a:endParaRPr lang="en-AU" sz="2800" dirty="0">
+              <a:solidFill>
+                <a:srgbClr val="FF0000"/>
+              </a:solidFill>
+            </a:endParaRPr>
           </a:p>
         </p:txBody>
       </p:sp>
@@ -8274,7 +8415,47 @@
                   <a:schemeClr val="tx1"/>
                 </a:solidFill>
               </a:rPr>
-              <a:t>As a tenant I want to be able to change my password and connected email so that I can ensure my information is secure.</a:t>
+              <a:t>As a </a:t>
+            </a:r>
+            <a:r>
+              <a:rPr lang="en-US" sz="2400" dirty="0" smtClean="0">
+                <a:solidFill>
+                  <a:schemeClr val="tx1"/>
+                </a:solidFill>
+              </a:rPr>
+              <a:t>prospective tenant, </a:t>
+            </a:r>
+            <a:r>
+              <a:rPr lang="en-US" sz="2400" dirty="0">
+                <a:solidFill>
+                  <a:schemeClr val="tx1"/>
+                </a:solidFill>
+              </a:rPr>
+              <a:t>I want to share property information to other people through social media (</a:t>
+            </a:r>
+            <a:r>
+              <a:rPr lang="en-US" sz="2400" dirty="0" err="1">
+                <a:solidFill>
+                  <a:schemeClr val="tx1"/>
+                </a:solidFill>
+              </a:rPr>
+              <a:t>e.g</a:t>
+            </a:r>
+            <a:r>
+              <a:rPr lang="en-US" sz="2400" dirty="0">
+                <a:solidFill>
+                  <a:schemeClr val="tx1"/>
+                </a:solidFill>
+              </a:rPr>
+              <a:t> Facebook, Twitter</a:t>
+            </a:r>
+            <a:r>
+              <a:rPr lang="en-US" sz="2400" dirty="0" smtClean="0">
+                <a:solidFill>
+                  <a:schemeClr val="tx1"/>
+                </a:solidFill>
+              </a:rPr>
+              <a:t>) so they can find a place too!</a:t>
             </a:r>
             <a:endParaRPr lang="en-AU" sz="2400" dirty="0">
               <a:solidFill>
@@ -8361,13 +8542,16 @@
                   <a:schemeClr val="tx1"/>
                 </a:solidFill>
               </a:rPr>
-              <a:t>Users can change their password through secure means</a:t>
-            </a:r>
-            <a:endParaRPr lang="en-AU" dirty="0">
-              <a:solidFill>
-                <a:schemeClr val="tx1"/>
-              </a:solidFill>
-            </a:endParaRPr>
+              <a:t>Facebook/Twitter </a:t>
+            </a:r>
+            <a:r>
+              <a:rPr lang="en-US" dirty="0" smtClean="0">
+                <a:solidFill>
+                  <a:schemeClr val="tx1"/>
+                </a:solidFill>
+              </a:rPr>
+              <a:t>Integration</a:t>
+            </a:r>
           </a:p>
           <a:p>
             <a:pPr marL="285750" indent="-285750">
@@ -8375,12 +8559,12 @@
               <a:buChar char="•"/>
             </a:pPr>
             <a:r>
-              <a:rPr lang="en-US" dirty="0">
-                <a:solidFill>
-                  <a:schemeClr val="tx1"/>
-                </a:solidFill>
-              </a:rPr>
-              <a:t>Password cannot be stored in plaintext (encryption)</a:t>
+              <a:rPr lang="en-US" dirty="0" smtClean="0">
+                <a:solidFill>
+                  <a:schemeClr val="tx1"/>
+                </a:solidFill>
+              </a:rPr>
+              <a:t>Allow users to share listings, ratings and feedback publicly</a:t>
             </a:r>
             <a:endParaRPr lang="en-AU" dirty="0">
               <a:solidFill>
@@ -8393,14 +8577,11 @@
               <a:buFont typeface="Arial" pitchFamily="34" charset="0"/>
               <a:buChar char="•"/>
             </a:pPr>
-            <a:r>
-              <a:rPr lang="en-AU" sz="2000" dirty="0">
-                <a:solidFill>
-                  <a:schemeClr val="tx1"/>
-                </a:solidFill>
-              </a:rPr>
-              <a:t> users can apply to reclaim their accounts if stolen.</a:t>
-            </a:r>
+            <a:endParaRPr lang="en-AU" sz="2000" dirty="0">
+              <a:solidFill>
+                <a:schemeClr val="tx1"/>
+              </a:solidFill>
+            </a:endParaRPr>
           </a:p>
         </p:txBody>
       </p:sp>
@@ -8458,7 +8639,7 @@
                   <a:schemeClr val="tx1"/>
                 </a:solidFill>
               </a:rPr>
-              <a:t>3</a:t>
+              <a:t>2</a:t>
             </a:r>
             <a:endParaRPr lang="en-AU" sz="2000" dirty="0">
               <a:solidFill>
@@ -8523,7 +8704,7 @@
                   <a:schemeClr val="tx1"/>
                 </a:solidFill>
               </a:rPr>
-              <a:t>4</a:t>
+              <a:t>2</a:t>
             </a:r>
             <a:endParaRPr lang="en-AU" sz="2000" dirty="0">
               <a:solidFill>
@@ -8598,7 +8779,7 @@
                   <a:schemeClr val="tx1"/>
                 </a:solidFill>
               </a:rPr>
-              <a:t>The current standard practice for password recovery is to send a verification code to the user’s email which can then be used to change the password.</a:t>
+              <a:t>Many social media sites offer their own code for implementation.</a:t>
             </a:r>
           </a:p>
           <a:p>
@@ -8612,7 +8793,7 @@
                   <a:schemeClr val="tx1"/>
                 </a:solidFill>
               </a:rPr>
-              <a:t>Applications to reclaim accounts must be overseen by a suitable staff member.</a:t>
+              <a:t>FontAwesome.io provides good symbols for this purpose.</a:t>
             </a:r>
           </a:p>
         </p:txBody>
@@ -8620,7 +8801,7 @@
     </p:spTree>
     <p:extLst>
       <p:ext uri="{BB962C8B-B14F-4D97-AF65-F5344CB8AC3E}">
-        <p14:creationId xmlns:p14="http://schemas.microsoft.com/office/powerpoint/2010/main" val="4139060212"/>
+        <p14:creationId xmlns:p14="http://schemas.microsoft.com/office/powerpoint/2010/main" val="4153791130"/>
       </p:ext>
     </p:extLst>
   </p:cSld>
@@ -8710,7 +8891,7 @@
                   <a:schemeClr val="tx1"/>
                 </a:solidFill>
               </a:rPr>
-              <a:t>18</a:t>
+              <a:t>17</a:t>
             </a:r>
             <a:endParaRPr lang="en-AU" sz="2000" dirty="0">
               <a:solidFill>
@@ -8766,14 +8947,14 @@
             <a:r>
               <a:rPr lang="en-AU" sz="2800" dirty="0" smtClean="0">
                 <a:solidFill>
-                  <a:schemeClr val="tx1"/>
-                </a:solidFill>
-              </a:rPr>
-              <a:t>Star Rating System</a:t>
+                  <a:srgbClr val="FF0000"/>
+                </a:solidFill>
+              </a:rPr>
+              <a:t>Encryption of Information</a:t>
             </a:r>
             <a:endParaRPr lang="en-AU" sz="2800" dirty="0">
               <a:solidFill>
-                <a:schemeClr val="tx1"/>
+                <a:srgbClr val="FF0000"/>
               </a:solidFill>
             </a:endParaRPr>
           </a:p>
@@ -8833,23 +9014,7 @@
                   <a:schemeClr val="tx1"/>
                 </a:solidFill>
               </a:rPr>
-              <a:t>As a </a:t>
-            </a:r>
-            <a:r>
-              <a:rPr lang="en-US" sz="2400" dirty="0" smtClean="0">
-                <a:solidFill>
-                  <a:schemeClr val="tx1"/>
-                </a:solidFill>
-              </a:rPr>
-              <a:t>prospective tenant </a:t>
-            </a:r>
-            <a:r>
-              <a:rPr lang="en-US" sz="2400" dirty="0">
-                <a:solidFill>
-                  <a:schemeClr val="tx1"/>
-                </a:solidFill>
-              </a:rPr>
-              <a:t>I want a rating system for property listings so that I can get a better understanding of a house’s value. </a:t>
+              <a:t>As a property owner I want to ensure that my information is secure when handling sensitive information.</a:t>
             </a:r>
             <a:endParaRPr lang="en-AU" sz="2400" dirty="0">
               <a:solidFill>
@@ -8936,13 +9101,16 @@
                   <a:schemeClr val="tx1"/>
                 </a:solidFill>
               </a:rPr>
-              <a:t>A rating system which will allow previous tenants to rate properties using stars, i.e. (one star for bad, five stars for great)</a:t>
-            </a:r>
-            <a:endParaRPr lang="en-AU" dirty="0">
-              <a:solidFill>
-                <a:schemeClr val="tx1"/>
-              </a:solidFill>
-            </a:endParaRPr>
+              <a:t>E-mail and personal information encryption</a:t>
+            </a:r>
+            <a:r>
+              <a:rPr lang="en-US" dirty="0" smtClean="0">
+                <a:solidFill>
+                  <a:schemeClr val="tx1"/>
+                </a:solidFill>
+              </a:rPr>
+              <a:t>.</a:t>
+            </a:r>
           </a:p>
           <a:p>
             <a:pPr marL="285750" indent="-285750">
@@ -8950,47 +9118,22 @@
               <a:buChar char="•"/>
             </a:pPr>
             <a:r>
-              <a:rPr lang="en-US" dirty="0">
-                <a:solidFill>
-                  <a:schemeClr val="tx1"/>
-                </a:solidFill>
-              </a:rPr>
-              <a:t>Moderation required – mandatory comments and explanation of </a:t>
-            </a:r>
-            <a:r>
-              <a:rPr lang="en-US" dirty="0" smtClean="0">
-                <a:solidFill>
-                  <a:schemeClr val="tx1"/>
-                </a:solidFill>
-              </a:rPr>
-              <a:t>rating</a:t>
-            </a:r>
-          </a:p>
-          <a:p>
-            <a:pPr marL="285750" indent="-285750">
-              <a:buFont typeface="Arial" panose="020B0604020202020204" pitchFamily="34" charset="0"/>
-              <a:buChar char="•"/>
-            </a:pPr>
-            <a:r>
-              <a:rPr lang="en-US" dirty="0" smtClean="0">
-                <a:solidFill>
-                  <a:schemeClr val="tx1"/>
-                </a:solidFill>
-              </a:rPr>
-              <a:t>Required admin approval.</a:t>
+              <a:rPr lang="en-AU" dirty="0">
+                <a:solidFill>
+                  <a:schemeClr val="tx1"/>
+                </a:solidFill>
+              </a:rPr>
+              <a:t>Passwords should be stored as salted </a:t>
+            </a:r>
+            <a:r>
+              <a:rPr lang="en-AU" dirty="0" smtClean="0">
+                <a:solidFill>
+                  <a:schemeClr val="tx1"/>
+                </a:solidFill>
+              </a:rPr>
+              <a:t>hashes.</a:t>
             </a:r>
             <a:endParaRPr lang="en-AU" dirty="0">
-              <a:solidFill>
-                <a:schemeClr val="tx1"/>
-              </a:solidFill>
-            </a:endParaRPr>
-          </a:p>
-          <a:p>
-            <a:pPr marL="179388" indent="-179388">
-              <a:buFont typeface="Arial" pitchFamily="34" charset="0"/>
-              <a:buChar char="•"/>
-            </a:pPr>
-            <a:endParaRPr lang="en-AU" sz="2000" dirty="0">
               <a:solidFill>
                 <a:schemeClr val="tx1"/>
               </a:solidFill>
@@ -9052,7 +9195,7 @@
                   <a:schemeClr val="tx1"/>
                 </a:solidFill>
               </a:rPr>
-              <a:t>5</a:t>
+              <a:t>8</a:t>
             </a:r>
             <a:endParaRPr lang="en-AU" sz="2000" dirty="0">
               <a:solidFill>
@@ -9117,7 +9260,7 @@
                   <a:schemeClr val="tx1"/>
                 </a:solidFill>
               </a:rPr>
-              <a:t>3</a:t>
+              <a:t>7</a:t>
             </a:r>
             <a:endParaRPr lang="en-AU" sz="2000" dirty="0">
               <a:solidFill>
@@ -9182,22 +9325,27 @@
             </a:r>
           </a:p>
           <a:p>
-            <a:pPr marL="179388" indent="-179388">
-              <a:buFont typeface="Arial" pitchFamily="34" charset="0"/>
+            <a:pPr marL="342900" indent="-342900">
+              <a:buFont typeface="Arial" panose="020B0604020202020204" pitchFamily="34" charset="0"/>
               <a:buChar char="•"/>
             </a:pPr>
             <a:r>
-              <a:rPr lang="en-AU" sz="2000" dirty="0">
-                <a:solidFill>
-                  <a:schemeClr val="tx1"/>
-                </a:solidFill>
-              </a:rPr>
-              <a:t> The star system is linear from a min of one to a max of five.</a:t>
-            </a:r>
-          </a:p>
-          <a:p>
-            <a:pPr marL="179388" indent="-179388">
-              <a:buFont typeface="Arial" pitchFamily="34" charset="0"/>
+              <a:rPr lang="en-AU" sz="2000" dirty="0" smtClean="0">
+                <a:solidFill>
+                  <a:schemeClr val="tx1"/>
+                </a:solidFill>
+              </a:rPr>
+              <a:t>.</a:t>
+            </a:r>
+            <a:endParaRPr lang="en-AU" sz="2000" dirty="0">
+              <a:solidFill>
+                <a:schemeClr val="tx1"/>
+              </a:solidFill>
+            </a:endParaRPr>
+          </a:p>
+          <a:p>
+            <a:pPr marL="342900" indent="-342900">
+              <a:buFont typeface="Arial" panose="020B0604020202020204" pitchFamily="34" charset="0"/>
               <a:buChar char="•"/>
             </a:pPr>
             <a:endParaRPr lang="en-AU" sz="2000" dirty="0">
@@ -9206,23 +9354,12 @@
               </a:solidFill>
             </a:endParaRPr>
           </a:p>
-          <a:p>
-            <a:pPr marL="179388" indent="-179388">
-              <a:buFont typeface="Arial" pitchFamily="34" charset="0"/>
-              <a:buChar char="•"/>
-            </a:pPr>
-            <a:endParaRPr lang="en-AU" sz="2000" dirty="0">
-              <a:solidFill>
-                <a:schemeClr val="tx1"/>
-              </a:solidFill>
-            </a:endParaRPr>
-          </a:p>
         </p:txBody>
       </p:sp>
     </p:spTree>
     <p:extLst>
       <p:ext uri="{BB962C8B-B14F-4D97-AF65-F5344CB8AC3E}">
-        <p14:creationId xmlns:p14="http://schemas.microsoft.com/office/powerpoint/2010/main" val="3800884439"/>
+        <p14:creationId xmlns:p14="http://schemas.microsoft.com/office/powerpoint/2010/main" val="4205216894"/>
       </p:ext>
     </p:extLst>
   </p:cSld>
@@ -9275,21 +9412,21 @@
                 <a:gridCol w="2386710">
                   <a:extLst>
                     <a:ext uri="{9D8B030D-6E8A-4147-A177-3AD203B41FA5}">
-                      <a16:colId xmlns:a16="http://schemas.microsoft.com/office/drawing/2014/main" xmlns="" val="4227752072"/>
+                      <a16:colId xmlns="" xmlns:a16="http://schemas.microsoft.com/office/drawing/2014/main" val="4227752072"/>
                     </a:ext>
                   </a:extLst>
                 </a:gridCol>
                 <a:gridCol w="2386710">
                   <a:extLst>
                     <a:ext uri="{9D8B030D-6E8A-4147-A177-3AD203B41FA5}">
-                      <a16:colId xmlns:a16="http://schemas.microsoft.com/office/drawing/2014/main" xmlns="" val="3236106017"/>
+                      <a16:colId xmlns="" xmlns:a16="http://schemas.microsoft.com/office/drawing/2014/main" val="3236106017"/>
                     </a:ext>
                   </a:extLst>
                 </a:gridCol>
                 <a:gridCol w="2386710">
                   <a:extLst>
                     <a:ext uri="{9D8B030D-6E8A-4147-A177-3AD203B41FA5}">
-                      <a16:colId xmlns:a16="http://schemas.microsoft.com/office/drawing/2014/main" xmlns="" val="3392291262"/>
+                      <a16:colId xmlns="" xmlns:a16="http://schemas.microsoft.com/office/drawing/2014/main" val="3392291262"/>
                     </a:ext>
                   </a:extLst>
                 </a:gridCol>
@@ -9465,7 +9602,7 @@
                 </a:tc>
                 <a:extLst>
                   <a:ext uri="{0D108BD9-81ED-4DB2-BD59-A6C34878D82A}">
-                    <a16:rowId xmlns:a16="http://schemas.microsoft.com/office/drawing/2014/main" xmlns="" val="1007940399"/>
+                    <a16:rowId xmlns="" xmlns:a16="http://schemas.microsoft.com/office/drawing/2014/main" val="1007940399"/>
                   </a:ext>
                 </a:extLst>
               </a:tr>
@@ -9647,7 +9784,7 @@
                 </a:tc>
                 <a:extLst>
                   <a:ext uri="{0D108BD9-81ED-4DB2-BD59-A6C34878D82A}">
-                    <a16:rowId xmlns:a16="http://schemas.microsoft.com/office/drawing/2014/main" xmlns="" val="2137882582"/>
+                    <a16:rowId xmlns="" xmlns:a16="http://schemas.microsoft.com/office/drawing/2014/main" val="2137882582"/>
                   </a:ext>
                 </a:extLst>
               </a:tr>
@@ -9829,7 +9966,7 @@
                 </a:tc>
                 <a:extLst>
                   <a:ext uri="{0D108BD9-81ED-4DB2-BD59-A6C34878D82A}">
-                    <a16:rowId xmlns:a16="http://schemas.microsoft.com/office/drawing/2014/main" xmlns="" val="698170432"/>
+                    <a16:rowId xmlns="" xmlns:a16="http://schemas.microsoft.com/office/drawing/2014/main" val="698170432"/>
                   </a:ext>
                 </a:extLst>
               </a:tr>
@@ -10011,7 +10148,7 @@
                 </a:tc>
                 <a:extLst>
                   <a:ext uri="{0D108BD9-81ED-4DB2-BD59-A6C34878D82A}">
-                    <a16:rowId xmlns:a16="http://schemas.microsoft.com/office/drawing/2014/main" xmlns="" val="3574201322"/>
+                    <a16:rowId xmlns="" xmlns:a16="http://schemas.microsoft.com/office/drawing/2014/main" val="3574201322"/>
                   </a:ext>
                 </a:extLst>
               </a:tr>
@@ -10193,7 +10330,7 @@
                 </a:tc>
                 <a:extLst>
                   <a:ext uri="{0D108BD9-81ED-4DB2-BD59-A6C34878D82A}">
-                    <a16:rowId xmlns:a16="http://schemas.microsoft.com/office/drawing/2014/main" xmlns="" val="752529718"/>
+                    <a16:rowId xmlns="" xmlns:a16="http://schemas.microsoft.com/office/drawing/2014/main" val="752529718"/>
                   </a:ext>
                 </a:extLst>
               </a:tr>
@@ -10375,7 +10512,7 @@
                 </a:tc>
                 <a:extLst>
                   <a:ext uri="{0D108BD9-81ED-4DB2-BD59-A6C34878D82A}">
-                    <a16:rowId xmlns:a16="http://schemas.microsoft.com/office/drawing/2014/main" xmlns="" val="2492412396"/>
+                    <a16:rowId xmlns="" xmlns:a16="http://schemas.microsoft.com/office/drawing/2014/main" val="2492412396"/>
                   </a:ext>
                 </a:extLst>
               </a:tr>
@@ -10557,7 +10694,7 @@
                 </a:tc>
                 <a:extLst>
                   <a:ext uri="{0D108BD9-81ED-4DB2-BD59-A6C34878D82A}">
-                    <a16:rowId xmlns:a16="http://schemas.microsoft.com/office/drawing/2014/main" xmlns="" val="1426150357"/>
+                    <a16:rowId xmlns="" xmlns:a16="http://schemas.microsoft.com/office/drawing/2014/main" val="1426150357"/>
                   </a:ext>
                 </a:extLst>
               </a:tr>
@@ -10754,7 +10891,7 @@
                   <a:schemeClr val="tx1"/>
                 </a:solidFill>
               </a:rPr>
-              <a:t>19</a:t>
+              <a:t>18</a:t>
             </a:r>
             <a:endParaRPr lang="en-AU" sz="2000" dirty="0">
               <a:solidFill>
@@ -10808,18 +10945,13 @@
           <a:p>
             <a:pPr algn="ctr"/>
             <a:r>
-              <a:rPr lang="en-AU" sz="2800" dirty="0" smtClean="0">
+              <a:rPr lang="en-AU" sz="2400" dirty="0">
                 <a:solidFill>
                   <a:srgbClr val="FF0000"/>
                 </a:solidFill>
               </a:rPr>
-              <a:t>Negative Review Notifications</a:t>
-            </a:r>
-            <a:endParaRPr lang="en-AU" sz="2800" dirty="0">
-              <a:solidFill>
-                <a:srgbClr val="FF0000"/>
-              </a:solidFill>
-            </a:endParaRPr>
+              <a:t>Secure Password Reset</a:t>
+            </a:r>
           </a:p>
         </p:txBody>
       </p:sp>
@@ -10877,7 +11009,7 @@
                   <a:schemeClr val="tx1"/>
                 </a:solidFill>
               </a:rPr>
-              <a:t>As management staff I want to know when negative reviews are written about property listings I manage so that I can reassess the property and it’s listing. </a:t>
+              <a:t>As a tenant I want to be able to change my password and connected email so that I can ensure my information is secure.</a:t>
             </a:r>
             <a:endParaRPr lang="en-AU" sz="2400" dirty="0">
               <a:solidFill>
@@ -10959,12 +11091,12 @@
               <a:buChar char="•"/>
             </a:pPr>
             <a:r>
-              <a:rPr lang="de-DE" dirty="0">
-                <a:solidFill>
-                  <a:schemeClr val="tx1"/>
-                </a:solidFill>
-              </a:rPr>
-              <a:t>If a property scores a one star rating an automatic email is sent to management and/or owner</a:t>
+              <a:rPr lang="en-US" dirty="0">
+                <a:solidFill>
+                  <a:schemeClr val="tx1"/>
+                </a:solidFill>
+              </a:rPr>
+              <a:t>Users can change their password through secure means</a:t>
             </a:r>
             <a:endParaRPr lang="en-AU" dirty="0">
               <a:solidFill>
@@ -10983,21 +11115,27 @@
                   <a:schemeClr val="tx1"/>
                 </a:solidFill>
               </a:rPr>
-              <a:t>Moderation required </a:t>
-            </a:r>
-            <a:r>
-              <a:rPr lang="en-AU" dirty="0">
-                <a:solidFill>
-                  <a:schemeClr val="tx1"/>
-                </a:solidFill>
-              </a:rPr>
-              <a:t>to minimise abuse of the system.</a:t>
-            </a:r>
-            <a:endParaRPr lang="en-AU" sz="2000" dirty="0">
+              <a:t>Password cannot be stored in plaintext (encryption)</a:t>
+            </a:r>
+            <a:endParaRPr lang="en-AU" dirty="0">
               <a:solidFill>
                 <a:schemeClr val="tx1"/>
               </a:solidFill>
             </a:endParaRPr>
+          </a:p>
+          <a:p>
+            <a:pPr marL="179388" indent="-179388">
+              <a:buFont typeface="Arial" pitchFamily="34" charset="0"/>
+              <a:buChar char="•"/>
+            </a:pPr>
+            <a:r>
+              <a:rPr lang="en-AU" sz="2000" dirty="0">
+                <a:solidFill>
+                  <a:schemeClr val="tx1"/>
+                </a:solidFill>
+              </a:rPr>
+              <a:t> users can apply to reclaim their accounts if stolen.</a:t>
+            </a:r>
           </a:p>
         </p:txBody>
       </p:sp>
@@ -11055,7 +11193,7 @@
                   <a:schemeClr val="tx1"/>
                 </a:solidFill>
               </a:rPr>
-              <a:t>2</a:t>
+              <a:t>3</a:t>
             </a:r>
             <a:endParaRPr lang="en-AU" sz="2000" dirty="0">
               <a:solidFill>
@@ -11120,7 +11258,7 @@
                   <a:schemeClr val="tx1"/>
                 </a:solidFill>
               </a:rPr>
-              <a:t>2</a:t>
+              <a:t>4</a:t>
             </a:r>
             <a:endParaRPr lang="en-AU" sz="2000" dirty="0">
               <a:solidFill>
@@ -11195,7 +11333,21 @@
                   <a:schemeClr val="tx1"/>
                 </a:solidFill>
               </a:rPr>
-              <a:t> </a:t>
+              <a:t>The current standard practice for password recovery is to send a verification code to the user’s email which can then be used to change the password.</a:t>
+            </a:r>
+          </a:p>
+          <a:p>
+            <a:pPr marL="179388" indent="-179388">
+              <a:buFont typeface="Arial" pitchFamily="34" charset="0"/>
+              <a:buChar char="•"/>
+            </a:pPr>
+            <a:r>
+              <a:rPr lang="en-AU" sz="2000" dirty="0">
+                <a:solidFill>
+                  <a:schemeClr val="tx1"/>
+                </a:solidFill>
+              </a:rPr>
+              <a:t>Applications to reclaim accounts must be overseen by a suitable staff member.</a:t>
             </a:r>
           </a:p>
         </p:txBody>
@@ -11203,7 +11355,7 @@
     </p:spTree>
     <p:extLst>
       <p:ext uri="{BB962C8B-B14F-4D97-AF65-F5344CB8AC3E}">
-        <p14:creationId xmlns:p14="http://schemas.microsoft.com/office/powerpoint/2010/main" val="4109560024"/>
+        <p14:creationId xmlns:p14="http://schemas.microsoft.com/office/powerpoint/2010/main" val="4139060212"/>
       </p:ext>
     </p:extLst>
   </p:cSld>
@@ -11293,7 +11445,7 @@
                   <a:schemeClr val="tx1"/>
                 </a:solidFill>
               </a:rPr>
-              <a:t>20</a:t>
+              <a:t>19</a:t>
             </a:r>
             <a:endParaRPr lang="en-AU" sz="2000" dirty="0">
               <a:solidFill>
@@ -11352,7 +11504,7 @@
                   <a:srgbClr val="FF0000"/>
                 </a:solidFill>
               </a:rPr>
-              <a:t>Social Media Links</a:t>
+              <a:t>Negative Review Notifications</a:t>
             </a:r>
             <a:endParaRPr lang="en-AU" sz="2800" dirty="0">
               <a:solidFill>
@@ -11416,47 +11568,7 @@
                   <a:schemeClr val="tx1"/>
                 </a:solidFill>
               </a:rPr>
-              <a:t>As a </a:t>
-            </a:r>
-            <a:r>
-              <a:rPr lang="en-US" sz="2400" dirty="0" smtClean="0">
-                <a:solidFill>
-                  <a:schemeClr val="tx1"/>
-                </a:solidFill>
-              </a:rPr>
-              <a:t>prospective tenant, </a:t>
-            </a:r>
-            <a:r>
-              <a:rPr lang="en-US" sz="2400" dirty="0">
-                <a:solidFill>
-                  <a:schemeClr val="tx1"/>
-                </a:solidFill>
-              </a:rPr>
-              <a:t>I want to share property information to other people through social media (</a:t>
-            </a:r>
-            <a:r>
-              <a:rPr lang="en-US" sz="2400" dirty="0" err="1">
-                <a:solidFill>
-                  <a:schemeClr val="tx1"/>
-                </a:solidFill>
-              </a:rPr>
-              <a:t>e.g</a:t>
-            </a:r>
-            <a:r>
-              <a:rPr lang="en-US" sz="2400" dirty="0">
-                <a:solidFill>
-                  <a:schemeClr val="tx1"/>
-                </a:solidFill>
-              </a:rPr>
-              <a:t> Facebook, Twitter</a:t>
-            </a:r>
-            <a:r>
-              <a:rPr lang="en-US" sz="2400" dirty="0" smtClean="0">
-                <a:solidFill>
-                  <a:schemeClr val="tx1"/>
-                </a:solidFill>
-              </a:rPr>
-              <a:t>) so they can find a place too!</a:t>
+              <a:t>As management staff I want to know when negative reviews are written about property listings I manage so that I can reassess the property and it’s listing. </a:t>
             </a:r>
             <a:endParaRPr lang="en-AU" sz="2400" dirty="0">
               <a:solidFill>
@@ -11538,20 +11650,12 @@
               <a:buChar char="•"/>
             </a:pPr>
             <a:r>
-              <a:rPr lang="en-US" dirty="0">
-                <a:solidFill>
-                  <a:schemeClr val="tx1"/>
-                </a:solidFill>
-              </a:rPr>
-              <a:t>Facebook/Twitter </a:t>
-            </a:r>
-            <a:r>
-              <a:rPr lang="en-US" dirty="0" smtClean="0">
-                <a:solidFill>
-                  <a:schemeClr val="tx1"/>
-                </a:solidFill>
-              </a:rPr>
-              <a:t>Integration</a:t>
+              <a:rPr lang="de-DE" dirty="0">
+                <a:solidFill>
+                  <a:schemeClr val="tx1"/>
+                </a:solidFill>
+              </a:rPr>
+              <a:t>If a property scores a one star rating an automatic email is sent to management and/or owner</a:t>
             </a:r>
             <a:endParaRPr lang="en-AU" dirty="0">
               <a:solidFill>
@@ -11560,10 +11664,26 @@
             </a:endParaRPr>
           </a:p>
           <a:p>
-            <a:pPr marL="179388" indent="-179388">
-              <a:buFont typeface="Arial" pitchFamily="34" charset="0"/>
+            <a:pPr marL="285750" indent="-285750">
+              <a:buFont typeface="Arial" panose="020B0604020202020204" pitchFamily="34" charset="0"/>
               <a:buChar char="•"/>
             </a:pPr>
+            <a:r>
+              <a:rPr lang="en-US" dirty="0">
+                <a:solidFill>
+                  <a:schemeClr val="tx1"/>
+                </a:solidFill>
+              </a:rPr>
+              <a:t>Moderation required </a:t>
+            </a:r>
+            <a:r>
+              <a:rPr lang="en-AU" dirty="0">
+                <a:solidFill>
+                  <a:schemeClr val="tx1"/>
+                </a:solidFill>
+              </a:rPr>
+              <a:t>to minimise abuse of the system.</a:t>
+            </a:r>
             <a:endParaRPr lang="en-AU" sz="2000" dirty="0">
               <a:solidFill>
                 <a:schemeClr val="tx1"/>
@@ -11766,21 +11886,7 @@
                   <a:schemeClr val="tx1"/>
                 </a:solidFill>
               </a:rPr>
-              <a:t>Many social media sites offer their own code for implementation.</a:t>
-            </a:r>
-          </a:p>
-          <a:p>
-            <a:pPr marL="179388" indent="-179388">
-              <a:buFont typeface="Arial" pitchFamily="34" charset="0"/>
-              <a:buChar char="•"/>
-            </a:pPr>
-            <a:r>
-              <a:rPr lang="en-AU" sz="2000" dirty="0">
-                <a:solidFill>
-                  <a:schemeClr val="tx1"/>
-                </a:solidFill>
-              </a:rPr>
-              <a:t>FontAwesome.io provides good symbols for this purpose.</a:t>
+              <a:t> </a:t>
             </a:r>
           </a:p>
         </p:txBody>
@@ -11788,7 +11894,7 @@
     </p:spTree>
     <p:extLst>
       <p:ext uri="{BB962C8B-B14F-4D97-AF65-F5344CB8AC3E}">
-        <p14:creationId xmlns:p14="http://schemas.microsoft.com/office/powerpoint/2010/main" val="3900803807"/>
+        <p14:creationId xmlns:p14="http://schemas.microsoft.com/office/powerpoint/2010/main" val="4109560024"/>
       </p:ext>
     </p:extLst>
   </p:cSld>
@@ -11878,7 +11984,7 @@
                   <a:schemeClr val="tx1"/>
                 </a:solidFill>
               </a:rPr>
-              <a:t>17</a:t>
+              <a:t>20</a:t>
             </a:r>
             <a:endParaRPr lang="en-AU" sz="2000" dirty="0">
               <a:solidFill>
@@ -12483,7 +12589,15 @@
                   <a:schemeClr val="tx1"/>
                 </a:solidFill>
               </a:rPr>
-              <a:t>Home Page</a:t>
+              <a:t>Main Display </a:t>
+            </a:r>
+            <a:r>
+              <a:rPr lang="en-AU" sz="2800" dirty="0" smtClean="0">
+                <a:solidFill>
+                  <a:schemeClr val="tx1"/>
+                </a:solidFill>
+              </a:rPr>
+              <a:t>Page</a:t>
             </a:r>
             <a:endParaRPr lang="en-AU" sz="2800" dirty="0">
               <a:solidFill>
@@ -12555,7 +12669,39 @@
                   <a:schemeClr val="tx1"/>
                 </a:solidFill>
               </a:rPr>
-              <a:t>the owner of the website I want the initial home page to display a single photo of a handful of properties and be simple and logical in design to help users navigate the website easily</a:t>
+              <a:t>the owner of the website I want the </a:t>
+            </a:r>
+            <a:r>
+              <a:rPr lang="en-US" sz="2400" dirty="0" smtClean="0">
+                <a:solidFill>
+                  <a:schemeClr val="tx1"/>
+                </a:solidFill>
+              </a:rPr>
+              <a:t>main display page </a:t>
+            </a:r>
+            <a:r>
+              <a:rPr lang="en-US" sz="2400" dirty="0" smtClean="0">
+                <a:solidFill>
+                  <a:schemeClr val="tx1"/>
+                </a:solidFill>
+              </a:rPr>
+              <a:t>to </a:t>
+            </a:r>
+            <a:r>
+              <a:rPr lang="en-US" sz="2400" dirty="0" smtClean="0">
+                <a:solidFill>
+                  <a:schemeClr val="tx1"/>
+                </a:solidFill>
+              </a:rPr>
+              <a:t>show </a:t>
+            </a:r>
+            <a:r>
+              <a:rPr lang="en-US" sz="2400" dirty="0" smtClean="0">
+                <a:solidFill>
+                  <a:schemeClr val="tx1"/>
+                </a:solidFill>
+              </a:rPr>
+              <a:t>a single photo of a handful of properties and be simple and logical in design to help users navigate the website easily</a:t>
             </a:r>
             <a:endParaRPr lang="en-AU" sz="2400" dirty="0">
               <a:solidFill>
@@ -12642,7 +12788,23 @@
                   <a:schemeClr val="tx1"/>
                 </a:solidFill>
               </a:rPr>
-              <a:t>users can browse without login, but if they want to further interact with the site they must first login or create an account</a:t>
+              <a:t>users can browse without login, but if they want to further </a:t>
+            </a:r>
+            <a:r>
+              <a:rPr lang="en-US" sz="2000" dirty="0" smtClean="0">
+                <a:solidFill>
+                  <a:schemeClr val="tx1"/>
+                </a:solidFill>
+              </a:rPr>
+              <a:t>interaction </a:t>
+            </a:r>
+            <a:r>
+              <a:rPr lang="en-US" sz="2000" dirty="0">
+                <a:solidFill>
+                  <a:schemeClr val="tx1"/>
+                </a:solidFill>
+              </a:rPr>
+              <a:t>with the site they must first login or create an account</a:t>
             </a:r>
             <a:r>
               <a:rPr lang="en-US" sz="2000" dirty="0" smtClean="0">
@@ -12664,8 +12826,13 @@
                   <a:schemeClr val="tx1"/>
                 </a:solidFill>
               </a:rPr>
-              <a:t>Navigation bar and page navigation</a:t>
-            </a:r>
+              <a:t>Users must be able to navigate through the web pages easily</a:t>
+            </a:r>
+            <a:endParaRPr lang="en-US" sz="2000" dirty="0" smtClean="0">
+              <a:solidFill>
+                <a:schemeClr val="tx1"/>
+              </a:solidFill>
+            </a:endParaRPr>
           </a:p>
           <a:p>
             <a:pPr marL="285750" indent="-285750">
@@ -12678,8 +12845,29 @@
                   <a:schemeClr val="tx1"/>
                 </a:solidFill>
               </a:rPr>
-              <a:t>images, rating, pricing and basic utilities information</a:t>
-            </a:r>
+              <a:t>Image mounts, </a:t>
+            </a:r>
+            <a:r>
+              <a:rPr lang="en-US" sz="2000" dirty="0" smtClean="0">
+                <a:solidFill>
+                  <a:schemeClr val="tx1"/>
+                </a:solidFill>
+              </a:rPr>
+              <a:t>rating, pricing and basic utilities </a:t>
+            </a:r>
+            <a:r>
+              <a:rPr lang="en-US" sz="2000" dirty="0" smtClean="0">
+                <a:solidFill>
+                  <a:schemeClr val="tx1"/>
+                </a:solidFill>
+              </a:rPr>
+              <a:t>information displayed</a:t>
+            </a:r>
+            <a:endParaRPr lang="en-US" sz="2000" dirty="0" smtClean="0">
+              <a:solidFill>
+                <a:schemeClr val="tx1"/>
+              </a:solidFill>
+            </a:endParaRPr>
           </a:p>
           <a:p>
             <a:pPr marL="285750" indent="-285750">
@@ -12692,7 +12880,39 @@
                   <a:schemeClr val="tx1"/>
                 </a:solidFill>
               </a:rPr>
-              <a:t>Button for more information on property listing</a:t>
+              <a:t>Clickable b</a:t>
+            </a:r>
+            <a:r>
+              <a:rPr lang="en-AU" sz="2000" dirty="0" smtClean="0">
+                <a:solidFill>
+                  <a:schemeClr val="tx1"/>
+                </a:solidFill>
+              </a:rPr>
+              <a:t>utton </a:t>
+            </a:r>
+            <a:r>
+              <a:rPr lang="en-AU" sz="2000" dirty="0" smtClean="0">
+                <a:solidFill>
+                  <a:schemeClr val="tx1"/>
+                </a:solidFill>
+              </a:rPr>
+              <a:t>for </a:t>
+            </a:r>
+            <a:r>
+              <a:rPr lang="en-AU" sz="2000" dirty="0" smtClean="0">
+                <a:solidFill>
+                  <a:schemeClr val="tx1"/>
+                </a:solidFill>
+              </a:rPr>
+              <a:t>‘more information’ </a:t>
+            </a:r>
+            <a:r>
+              <a:rPr lang="en-AU" sz="2000" dirty="0" smtClean="0">
+                <a:solidFill>
+                  <a:schemeClr val="tx1"/>
+                </a:solidFill>
+              </a:rPr>
+              <a:t>on property listing</a:t>
             </a:r>
             <a:endParaRPr lang="en-AU" sz="2000" dirty="0">
               <a:solidFill>
@@ -12877,13 +13097,32 @@
           <a:lstStyle/>
           <a:p>
             <a:r>
-              <a:rPr lang="en-AU" sz="2000" dirty="0">
+              <a:rPr lang="en-AU" sz="2000" dirty="0" smtClean="0">
                 <a:solidFill>
                   <a:schemeClr val="tx1"/>
                 </a:solidFill>
               </a:rPr>
               <a:t>Notes</a:t>
             </a:r>
+          </a:p>
+          <a:p>
+            <a:pPr marL="342900" indent="-342900">
+              <a:buFont typeface="Arial" panose="020B0604020202020204" pitchFamily="34" charset="0"/>
+              <a:buChar char="•"/>
+            </a:pPr>
+            <a:r>
+              <a:rPr lang="en-AU" sz="2000" dirty="0" smtClean="0">
+                <a:solidFill>
+                  <a:schemeClr val="tx1"/>
+                </a:solidFill>
+              </a:rPr>
+              <a:t>Navigation Bar and numbered search page navigation</a:t>
+            </a:r>
+            <a:endParaRPr lang="en-AU" sz="2000" dirty="0">
+              <a:solidFill>
+                <a:schemeClr val="tx1"/>
+              </a:solidFill>
+            </a:endParaRPr>
           </a:p>
           <a:p>
             <a:pPr marL="179388" indent="-179388">
@@ -12918,7 +13157,23 @@
                   <a:schemeClr val="tx1"/>
                 </a:solidFill>
               </a:rPr>
-              <a:t>Suggestion window to enter search criteria</a:t>
+              <a:t>Suggestion </a:t>
+            </a:r>
+            <a:r>
+              <a:rPr lang="en-AU" sz="2000" dirty="0" smtClean="0">
+                <a:solidFill>
+                  <a:schemeClr val="tx1"/>
+                </a:solidFill>
+              </a:rPr>
+              <a:t>box </a:t>
+            </a:r>
+            <a:r>
+              <a:rPr lang="en-AU" sz="2000" dirty="0" smtClean="0">
+                <a:solidFill>
+                  <a:schemeClr val="tx1"/>
+                </a:solidFill>
+              </a:rPr>
+              <a:t>to enter search criteria</a:t>
             </a:r>
             <a:endParaRPr lang="en-AU" sz="2000" dirty="0">
               <a:solidFill>
@@ -13155,7 +13410,23 @@
                   <a:schemeClr val="tx1"/>
                 </a:solidFill>
               </a:rPr>
-              <a:t>photos on the home page </a:t>
+              <a:t>photos on the </a:t>
+            </a:r>
+            <a:r>
+              <a:rPr lang="en-US" sz="2400" dirty="0" smtClean="0">
+                <a:solidFill>
+                  <a:schemeClr val="tx1"/>
+                </a:solidFill>
+              </a:rPr>
+              <a:t>first </a:t>
+            </a:r>
+            <a:r>
+              <a:rPr lang="en-US" sz="2400" dirty="0" smtClean="0">
+                <a:solidFill>
+                  <a:schemeClr val="tx1"/>
+                </a:solidFill>
+              </a:rPr>
+              <a:t>page </a:t>
             </a:r>
             <a:r>
               <a:rPr lang="en-US" sz="2400" dirty="0">
@@ -13163,7 +13434,39 @@
                   <a:schemeClr val="tx1"/>
                 </a:solidFill>
               </a:rPr>
-              <a:t>without having to enter the property’s own page so I can browse more efficiently.</a:t>
+              <a:t>without having to enter </a:t>
+            </a:r>
+            <a:r>
+              <a:rPr lang="en-US" sz="2400" dirty="0" smtClean="0">
+                <a:solidFill>
+                  <a:schemeClr val="tx1"/>
+                </a:solidFill>
+              </a:rPr>
+              <a:t>another page so </a:t>
+            </a:r>
+            <a:r>
+              <a:rPr lang="en-US" sz="2400" dirty="0">
+                <a:solidFill>
+                  <a:schemeClr val="tx1"/>
+                </a:solidFill>
+              </a:rPr>
+              <a:t>I can browse </a:t>
+            </a:r>
+            <a:r>
+              <a:rPr lang="en-US" sz="2400" dirty="0" smtClean="0">
+                <a:solidFill>
+                  <a:schemeClr val="tx1"/>
+                </a:solidFill>
+              </a:rPr>
+              <a:t>efficiently</a:t>
+            </a:r>
+            <a:r>
+              <a:rPr lang="en-US" sz="2400" dirty="0">
+                <a:solidFill>
+                  <a:schemeClr val="tx1"/>
+                </a:solidFill>
+              </a:rPr>
+              <a:t>.</a:t>
             </a:r>
             <a:endParaRPr lang="en-AU" sz="2400" dirty="0">
               <a:solidFill>
@@ -13264,8 +13567,13 @@
                   <a:schemeClr val="tx1"/>
                 </a:solidFill>
               </a:rPr>
-              <a:t>Enlarge photo upon click</a:t>
-            </a:r>
+              <a:t>Photos are enlarged upon click</a:t>
+            </a:r>
+            <a:endParaRPr lang="en-AU" sz="2000" dirty="0" smtClean="0">
+              <a:solidFill>
+                <a:schemeClr val="tx1"/>
+              </a:solidFill>
+            </a:endParaRPr>
           </a:p>
           <a:p>
             <a:pPr marL="285750" indent="-285750">
@@ -13516,13 +13824,18 @@
               <a:t> </a:t>
             </a:r>
             <a:r>
-              <a:rPr lang="en-AU" sz="2000" dirty="0">
-                <a:solidFill>
-                  <a:schemeClr val="tx1"/>
-                </a:solidFill>
-              </a:rPr>
-              <a:t>Is using a third-party image host viable?</a:t>
-            </a:r>
+              <a:rPr lang="en-AU" sz="2000" dirty="0" smtClean="0">
+                <a:solidFill>
+                  <a:schemeClr val="tx1"/>
+                </a:solidFill>
+              </a:rPr>
+              <a:t>check viability of third party image hosting</a:t>
+            </a:r>
+            <a:endParaRPr lang="en-AU" sz="2000" dirty="0">
+              <a:solidFill>
+                <a:schemeClr val="tx1"/>
+              </a:solidFill>
+            </a:endParaRPr>
           </a:p>
           <a:p>
             <a:pPr marL="179388" indent="-179388">
@@ -14359,7 +14672,7 @@
         </p:nvSpPr>
         <p:spPr>
           <a:xfrm>
-            <a:off x="39153" y="3335530"/>
+            <a:off x="78000" y="3335530"/>
             <a:ext cx="9828000" cy="1620000"/>
           </a:xfrm>
           <a:prstGeom prst="rect">
@@ -14409,13 +14722,20 @@
                 <a:cs typeface="Arial"/>
                 <a:sym typeface="Arial"/>
               </a:rPr>
-              <a:t>Acceptance Criteria:</a:t>
-            </a:r>
-            <a:endParaRPr lang="en-US" dirty="0">
-              <a:solidFill>
-                <a:schemeClr val="tx1"/>
-              </a:solidFill>
-            </a:endParaRPr>
+              <a:t>Acceptance Criteria</a:t>
+            </a:r>
+            <a:r>
+              <a:rPr lang="de" dirty="0" smtClean="0">
+                <a:solidFill>
+                  <a:srgbClr val="000000"/>
+                </a:solidFill>
+                <a:latin typeface="Arial"/>
+                <a:ea typeface="Arial"/>
+                <a:cs typeface="Arial"/>
+                <a:sym typeface="Arial"/>
+              </a:rPr>
+              <a:t>:</a:t>
+            </a:r>
           </a:p>
           <a:p>
             <a:pPr marL="285750" indent="-285750">
@@ -14423,7 +14743,72 @@
               <a:buChar char="•"/>
             </a:pPr>
             <a:r>
-              <a:rPr lang="en-US" sz="2000" dirty="0" smtClean="0">
+              <a:rPr lang="de" dirty="0" smtClean="0">
+                <a:solidFill>
+                  <a:srgbClr val="000000"/>
+                </a:solidFill>
+                <a:latin typeface="Arial"/>
+                <a:ea typeface="Arial"/>
+                <a:cs typeface="Arial"/>
+                <a:sym typeface="Arial"/>
+              </a:rPr>
+              <a:t>All different users can create an account or login to an existing account</a:t>
+            </a:r>
+            <a:endParaRPr lang="de" dirty="0" smtClean="0">
+              <a:solidFill>
+                <a:srgbClr val="000000"/>
+              </a:solidFill>
+              <a:latin typeface="Arial"/>
+              <a:ea typeface="Arial"/>
+              <a:cs typeface="Arial"/>
+              <a:sym typeface="Arial"/>
+            </a:endParaRPr>
+          </a:p>
+          <a:p>
+            <a:pPr marL="179388" indent="-179388">
+              <a:buFont typeface="Arial" pitchFamily="34" charset="0"/>
+              <a:buChar char="•"/>
+            </a:pPr>
+            <a:r>
+              <a:rPr lang="en-AU" dirty="0">
+                <a:solidFill>
+                  <a:schemeClr val="tx1"/>
+                </a:solidFill>
+              </a:rPr>
+              <a:t>Login button should display </a:t>
+            </a:r>
+            <a:r>
+              <a:rPr lang="en-AU" dirty="0" smtClean="0">
+                <a:solidFill>
+                  <a:schemeClr val="tx1"/>
+                </a:solidFill>
+              </a:rPr>
+              <a:t>a notice </a:t>
+            </a:r>
+            <a:r>
+              <a:rPr lang="en-AU" dirty="0">
+                <a:solidFill>
+                  <a:schemeClr val="tx1"/>
+                </a:solidFill>
+              </a:rPr>
+              <a:t>if user hasn’t already created an </a:t>
+            </a:r>
+            <a:r>
+              <a:rPr lang="en-AU" dirty="0" smtClean="0">
+                <a:solidFill>
+                  <a:schemeClr val="tx1"/>
+                </a:solidFill>
+              </a:rPr>
+              <a:t>account</a:t>
+            </a:r>
+          </a:p>
+          <a:p>
+            <a:pPr marL="179388" indent="-179388">
+              <a:buFont typeface="Arial" pitchFamily="34" charset="0"/>
+              <a:buChar char="•"/>
+            </a:pPr>
+            <a:r>
+              <a:rPr lang="en-US" dirty="0">
                 <a:solidFill>
                   <a:schemeClr val="tx1"/>
                 </a:solidFill>
@@ -14431,14 +14816,36 @@
               <a:t>E-mail and password </a:t>
             </a:r>
             <a:r>
-              <a:rPr lang="en-US" sz="2000" dirty="0" err="1" smtClean="0">
+              <a:rPr lang="en-US" dirty="0" err="1" smtClean="0">
                 <a:solidFill>
                   <a:schemeClr val="tx1"/>
                 </a:solidFill>
               </a:rPr>
               <a:t>textfields</a:t>
             </a:r>
-            <a:endParaRPr lang="en-US" sz="2000" dirty="0">
+            <a:r>
+              <a:rPr lang="en-US" dirty="0" smtClean="0">
+                <a:solidFill>
+                  <a:schemeClr val="tx1"/>
+                </a:solidFill>
+              </a:rPr>
+              <a:t> &amp; </a:t>
+            </a:r>
+            <a:r>
+              <a:rPr lang="en-US" dirty="0">
+                <a:solidFill>
+                  <a:schemeClr val="tx1"/>
+                </a:solidFill>
+              </a:rPr>
+              <a:t>Login button</a:t>
+            </a:r>
+          </a:p>
+          <a:p>
+            <a:pPr marL="179388" indent="-179388">
+              <a:buFont typeface="Arial" pitchFamily="34" charset="0"/>
+              <a:buChar char="•"/>
+            </a:pPr>
+            <a:endParaRPr lang="en-AU" dirty="0">
               <a:solidFill>
                 <a:schemeClr val="tx1"/>
               </a:solidFill>
@@ -14449,99 +14856,7 @@
               <a:buFont typeface="Arial" panose="020B0604020202020204" pitchFamily="34" charset="0"/>
               <a:buChar char="•"/>
             </a:pPr>
-            <a:r>
-              <a:rPr lang="en-US" sz="2000" dirty="0" smtClean="0">
-                <a:solidFill>
-                  <a:schemeClr val="tx1"/>
-                </a:solidFill>
-              </a:rPr>
-              <a:t>Login </a:t>
-            </a:r>
-            <a:r>
-              <a:rPr lang="en-US" sz="2000" dirty="0" smtClean="0">
-                <a:solidFill>
-                  <a:schemeClr val="tx1"/>
-                </a:solidFill>
-              </a:rPr>
-              <a:t>button</a:t>
-            </a:r>
-          </a:p>
-          <a:p>
-            <a:pPr marL="179388" indent="-179388">
-              <a:buFont typeface="Arial" pitchFamily="34" charset="0"/>
-              <a:buChar char="•"/>
-            </a:pPr>
-            <a:r>
-              <a:rPr lang="en-AU" sz="2000" dirty="0" err="1">
-                <a:solidFill>
-                  <a:schemeClr val="tx1"/>
-                </a:solidFill>
-              </a:rPr>
-              <a:t>Onclick</a:t>
-            </a:r>
-            <a:r>
-              <a:rPr lang="en-AU" sz="2000" dirty="0">
-                <a:solidFill>
-                  <a:schemeClr val="tx1"/>
-                </a:solidFill>
-              </a:rPr>
-              <a:t> create account, the relevant create account form </a:t>
-            </a:r>
-            <a:r>
-              <a:rPr lang="en-AU" sz="2000" dirty="0" smtClean="0">
-                <a:solidFill>
-                  <a:schemeClr val="tx1"/>
-                </a:solidFill>
-              </a:rPr>
-              <a:t>displays</a:t>
-            </a:r>
-          </a:p>
-          <a:p>
-            <a:pPr marL="179388" indent="-179388">
-              <a:buFont typeface="Arial" pitchFamily="34" charset="0"/>
-              <a:buChar char="•"/>
-            </a:pPr>
-            <a:r>
-              <a:rPr lang="en-AU" sz="2000" dirty="0" smtClean="0">
-                <a:solidFill>
-                  <a:schemeClr val="tx1"/>
-                </a:solidFill>
-              </a:rPr>
-              <a:t>error </a:t>
-            </a:r>
-            <a:r>
-              <a:rPr lang="en-AU" sz="2000" dirty="0">
-                <a:solidFill>
-                  <a:schemeClr val="tx1"/>
-                </a:solidFill>
-              </a:rPr>
-              <a:t>will display if no </a:t>
-            </a:r>
-            <a:r>
-              <a:rPr lang="en-AU" sz="2000" dirty="0" err="1">
-                <a:solidFill>
-                  <a:schemeClr val="tx1"/>
-                </a:solidFill>
-              </a:rPr>
-              <a:t>radiobutton</a:t>
-            </a:r>
-            <a:r>
-              <a:rPr lang="en-AU" sz="2000" dirty="0">
-                <a:solidFill>
-                  <a:schemeClr val="tx1"/>
-                </a:solidFill>
-              </a:rPr>
-              <a:t> is </a:t>
-            </a:r>
-            <a:r>
-              <a:rPr lang="en-AU" sz="2000" dirty="0" smtClean="0">
-                <a:solidFill>
-                  <a:schemeClr val="tx1"/>
-                </a:solidFill>
-              </a:rPr>
-              <a:t>marked indicating type of account</a:t>
-            </a:r>
-            <a:endParaRPr lang="en-AU" sz="2000" dirty="0">
+            <a:endParaRPr lang="en-US" dirty="0">
               <a:solidFill>
                 <a:schemeClr val="tx1"/>
               </a:solidFill>
@@ -14738,12 +15053,28 @@
               <a:buChar char="•"/>
             </a:pPr>
             <a:r>
+              <a:rPr lang="en-AU" sz="2000" dirty="0" err="1" smtClean="0">
+                <a:solidFill>
+                  <a:schemeClr val="tx1"/>
+                </a:solidFill>
+              </a:rPr>
+              <a:t>Onclick</a:t>
+            </a:r>
+            <a:r>
               <a:rPr lang="en-AU" sz="2000" dirty="0" smtClean="0">
                 <a:solidFill>
                   <a:schemeClr val="tx1"/>
                 </a:solidFill>
               </a:rPr>
-              <a:t>Login button should display error if user hasn’t already created an account</a:t>
+              <a:t> </a:t>
+            </a:r>
+            <a:r>
+              <a:rPr lang="en-AU" sz="2000" dirty="0">
+                <a:solidFill>
+                  <a:schemeClr val="tx1"/>
+                </a:solidFill>
+              </a:rPr>
+              <a:t>create account, the relevant create account form displays</a:t>
             </a:r>
           </a:p>
           <a:p>
@@ -14752,20 +15083,28 @@
               <a:buChar char="•"/>
             </a:pPr>
             <a:r>
-              <a:rPr lang="en-AU" sz="2000" dirty="0" smtClean="0">
-                <a:solidFill>
-                  <a:schemeClr val="tx1"/>
-                </a:solidFill>
-              </a:rPr>
-              <a:t>Entered </a:t>
-            </a:r>
-            <a:r>
               <a:rPr lang="en-AU" sz="2000" dirty="0">
                 <a:solidFill>
                   <a:schemeClr val="tx1"/>
                 </a:solidFill>
               </a:rPr>
-              <a:t>information is then encrypted and logged</a:t>
+              <a:t>error will display if no </a:t>
+            </a:r>
+            <a:r>
+              <a:rPr lang="en-AU" sz="2000" dirty="0" err="1">
+                <a:solidFill>
+                  <a:schemeClr val="tx1"/>
+                </a:solidFill>
+              </a:rPr>
+              <a:t>radiobutton</a:t>
+            </a:r>
+            <a:r>
+              <a:rPr lang="en-AU" sz="2000" dirty="0">
+                <a:solidFill>
+                  <a:schemeClr val="tx1"/>
+                </a:solidFill>
+              </a:rPr>
+              <a:t> is marked indicating type of account</a:t>
             </a:r>
           </a:p>
           <a:p>
@@ -14930,14 +15269,14 @@
             <a:r>
               <a:rPr lang="en-AU" sz="2800" dirty="0" smtClean="0">
                 <a:solidFill>
-                  <a:schemeClr val="tx1"/>
+                  <a:srgbClr val="FF0000"/>
                 </a:solidFill>
               </a:rPr>
               <a:t>Create Account Form</a:t>
             </a:r>
             <a:endParaRPr lang="en-AU" sz="2800" dirty="0">
               <a:solidFill>
-                <a:schemeClr val="tx1"/>
+                <a:srgbClr val="FF0000"/>
               </a:solidFill>
             </a:endParaRPr>
           </a:p>
@@ -15684,7 +16023,39 @@
                   <a:schemeClr val="tx1"/>
                 </a:solidFill>
               </a:rPr>
-              <a:t>to allow staff to change information on property listings.</a:t>
+              <a:t>to allow </a:t>
+            </a:r>
+            <a:r>
+              <a:rPr lang="en-US" sz="2000" dirty="0" smtClean="0">
+                <a:solidFill>
+                  <a:schemeClr val="tx1"/>
+                </a:solidFill>
+              </a:rPr>
+              <a:t>owners to </a:t>
+            </a:r>
+            <a:r>
+              <a:rPr lang="en-US" sz="2000" dirty="0" smtClean="0">
+                <a:solidFill>
+                  <a:schemeClr val="tx1"/>
+                </a:solidFill>
+              </a:rPr>
+              <a:t>add/</a:t>
+            </a:r>
+            <a:r>
+              <a:rPr lang="en-US" sz="2000" dirty="0" smtClean="0">
+                <a:solidFill>
+                  <a:schemeClr val="tx1"/>
+                </a:solidFill>
+              </a:rPr>
+              <a:t>change </a:t>
+            </a:r>
+            <a:r>
+              <a:rPr lang="en-US" sz="2000" dirty="0">
+                <a:solidFill>
+                  <a:schemeClr val="tx1"/>
+                </a:solidFill>
+              </a:rPr>
+              <a:t>information on property listings.</a:t>
             </a:r>
             <a:endParaRPr lang="en-AU" sz="2000" dirty="0">
               <a:solidFill>
@@ -15894,7 +16265,40 @@
               <a:buChar char="•"/>
             </a:pPr>
             <a:r>
-              <a:rPr lang="en-AU" sz="2000" dirty="0">
+              <a:rPr lang="en-AU" sz="2000" dirty="0" smtClean="0">
+                <a:solidFill>
+                  <a:schemeClr val="tx1"/>
+                </a:solidFill>
+              </a:rPr>
+              <a:t>Creating a new property listing should result in a new form to fill out</a:t>
+            </a:r>
+          </a:p>
+          <a:p>
+            <a:pPr marL="179388" indent="-179388">
+              <a:buFont typeface="Arial" pitchFamily="34" charset="0"/>
+              <a:buChar char="•"/>
+            </a:pPr>
+            <a:r>
+              <a:rPr lang="en-AU" sz="2000" dirty="0" smtClean="0">
+                <a:solidFill>
+                  <a:schemeClr val="tx1"/>
+                </a:solidFill>
+              </a:rPr>
+              <a:t>Property listings must be encrypted and logged on save</a:t>
+            </a:r>
+            <a:endParaRPr lang="en-AU" sz="2000" dirty="0" smtClean="0">
+              <a:solidFill>
+                <a:schemeClr val="tx1"/>
+              </a:solidFill>
+            </a:endParaRPr>
+          </a:p>
+          <a:p>
+            <a:pPr marL="179388" indent="-179388">
+              <a:buFont typeface="Arial" pitchFamily="34" charset="0"/>
+              <a:buChar char="•"/>
+            </a:pPr>
+            <a:r>
+              <a:rPr lang="en-AU" sz="2000" dirty="0" smtClean="0">
                 <a:solidFill>
                   <a:schemeClr val="tx1"/>
                 </a:solidFill>

--- a/Story Cards version a million.pptx
+++ b/Story Cards version a million.pptx
@@ -326,7 +326,7 @@
             <a:fld id="{1585DAA5-6BE2-467A-90B2-00E985D86198}" type="datetimeFigureOut">
               <a:rPr lang="en-AU" smtClean="0"/>
               <a:pPr/>
-              <a:t>23/03/2017</a:t>
+              <a:t>24/03/2017</a:t>
             </a:fld>
             <a:endParaRPr lang="en-AU"/>
           </a:p>
@@ -493,7 +493,7 @@
             <a:fld id="{1585DAA5-6BE2-467A-90B2-00E985D86198}" type="datetimeFigureOut">
               <a:rPr lang="en-AU" smtClean="0"/>
               <a:pPr/>
-              <a:t>23/03/2017</a:t>
+              <a:t>24/03/2017</a:t>
             </a:fld>
             <a:endParaRPr lang="en-AU"/>
           </a:p>
@@ -670,7 +670,7 @@
             <a:fld id="{1585DAA5-6BE2-467A-90B2-00E985D86198}" type="datetimeFigureOut">
               <a:rPr lang="en-AU" smtClean="0"/>
               <a:pPr/>
-              <a:t>23/03/2017</a:t>
+              <a:t>24/03/2017</a:t>
             </a:fld>
             <a:endParaRPr lang="en-AU"/>
           </a:p>
@@ -837,7 +837,7 @@
             <a:fld id="{1585DAA5-6BE2-467A-90B2-00E985D86198}" type="datetimeFigureOut">
               <a:rPr lang="en-AU" smtClean="0"/>
               <a:pPr/>
-              <a:t>23/03/2017</a:t>
+              <a:t>24/03/2017</a:t>
             </a:fld>
             <a:endParaRPr lang="en-AU"/>
           </a:p>
@@ -1080,7 +1080,7 @@
             <a:fld id="{1585DAA5-6BE2-467A-90B2-00E985D86198}" type="datetimeFigureOut">
               <a:rPr lang="en-AU" smtClean="0"/>
               <a:pPr/>
-              <a:t>23/03/2017</a:t>
+              <a:t>24/03/2017</a:t>
             </a:fld>
             <a:endParaRPr lang="en-AU"/>
           </a:p>
@@ -1365,7 +1365,7 @@
             <a:fld id="{1585DAA5-6BE2-467A-90B2-00E985D86198}" type="datetimeFigureOut">
               <a:rPr lang="en-AU" smtClean="0"/>
               <a:pPr/>
-              <a:t>23/03/2017</a:t>
+              <a:t>24/03/2017</a:t>
             </a:fld>
             <a:endParaRPr lang="en-AU"/>
           </a:p>
@@ -1784,7 +1784,7 @@
             <a:fld id="{1585DAA5-6BE2-467A-90B2-00E985D86198}" type="datetimeFigureOut">
               <a:rPr lang="en-AU" smtClean="0"/>
               <a:pPr/>
-              <a:t>23/03/2017</a:t>
+              <a:t>24/03/2017</a:t>
             </a:fld>
             <a:endParaRPr lang="en-AU"/>
           </a:p>
@@ -1899,7 +1899,7 @@
             <a:fld id="{1585DAA5-6BE2-467A-90B2-00E985D86198}" type="datetimeFigureOut">
               <a:rPr lang="en-AU" smtClean="0"/>
               <a:pPr/>
-              <a:t>23/03/2017</a:t>
+              <a:t>24/03/2017</a:t>
             </a:fld>
             <a:endParaRPr lang="en-AU"/>
           </a:p>
@@ -1991,7 +1991,7 @@
             <a:fld id="{1585DAA5-6BE2-467A-90B2-00E985D86198}" type="datetimeFigureOut">
               <a:rPr lang="en-AU" smtClean="0"/>
               <a:pPr/>
-              <a:t>23/03/2017</a:t>
+              <a:t>24/03/2017</a:t>
             </a:fld>
             <a:endParaRPr lang="en-AU"/>
           </a:p>
@@ -2265,7 +2265,7 @@
             <a:fld id="{1585DAA5-6BE2-467A-90B2-00E985D86198}" type="datetimeFigureOut">
               <a:rPr lang="en-AU" smtClean="0"/>
               <a:pPr/>
-              <a:t>23/03/2017</a:t>
+              <a:t>24/03/2017</a:t>
             </a:fld>
             <a:endParaRPr lang="en-AU"/>
           </a:p>
@@ -2515,7 +2515,7 @@
             <a:fld id="{1585DAA5-6BE2-467A-90B2-00E985D86198}" type="datetimeFigureOut">
               <a:rPr lang="en-AU" smtClean="0"/>
               <a:pPr/>
-              <a:t>23/03/2017</a:t>
+              <a:t>24/03/2017</a:t>
             </a:fld>
             <a:endParaRPr lang="en-AU"/>
           </a:p>
@@ -2725,7 +2725,7 @@
             <a:fld id="{1585DAA5-6BE2-467A-90B2-00E985D86198}" type="datetimeFigureOut">
               <a:rPr lang="en-AU" smtClean="0"/>
               <a:pPr/>
-              <a:t>23/03/2017</a:t>
+              <a:t>24/03/2017</a:t>
             </a:fld>
             <a:endParaRPr lang="en-AU"/>
           </a:p>
@@ -3479,14 +3479,14 @@
             <a:r>
               <a:rPr lang="en-AU" sz="2800" dirty="0" smtClean="0">
                 <a:solidFill>
-                  <a:srgbClr val="FF0000"/>
+                  <a:schemeClr val="tx1"/>
                 </a:solidFill>
               </a:rPr>
               <a:t>Search Bar/Panel</a:t>
             </a:r>
             <a:endParaRPr lang="en-AU" sz="2800" dirty="0">
               <a:solidFill>
-                <a:srgbClr val="FF0000"/>
+                <a:schemeClr val="tx1"/>
               </a:solidFill>
             </a:endParaRPr>
           </a:p>
@@ -3912,7 +3912,7 @@
                   <a:schemeClr val="tx1"/>
                 </a:solidFill>
               </a:rPr>
-              <a:t>7</a:t>
+              <a:t>M</a:t>
             </a:r>
             <a:endParaRPr lang="en-AU" sz="2000" dirty="0">
               <a:solidFill>
@@ -4152,14 +4152,14 @@
             <a:r>
               <a:rPr lang="en-AU" sz="2800" dirty="0" smtClean="0">
                 <a:solidFill>
-                  <a:srgbClr val="FF0000"/>
+                  <a:schemeClr val="tx1"/>
                 </a:solidFill>
               </a:rPr>
               <a:t>View Property Information</a:t>
             </a:r>
             <a:endParaRPr lang="en-AU" sz="2800" dirty="0">
               <a:solidFill>
-                <a:srgbClr val="FF0000"/>
+                <a:schemeClr val="tx1"/>
               </a:solidFill>
             </a:endParaRPr>
           </a:p>
@@ -4436,7 +4436,7 @@
                   <a:schemeClr val="tx1"/>
                 </a:solidFill>
               </a:rPr>
-              <a:t>4</a:t>
+              <a:t>10</a:t>
             </a:r>
             <a:endParaRPr lang="en-AU" sz="2000" dirty="0">
               <a:solidFill>
@@ -4501,7 +4501,7 @@
                   <a:schemeClr val="tx1"/>
                 </a:solidFill>
               </a:rPr>
-              <a:t>8</a:t>
+              <a:t>M</a:t>
             </a:r>
             <a:endParaRPr lang="en-AU" sz="2000" dirty="0">
               <a:solidFill>
@@ -4779,7 +4779,15 @@
                   <a:schemeClr val="tx1"/>
                 </a:solidFill>
               </a:rPr>
-              <a:t>Property Feature Comparison</a:t>
+              <a:t>Property </a:t>
+            </a:r>
+            <a:r>
+              <a:rPr lang="en-AU" sz="2800" dirty="0" smtClean="0">
+                <a:solidFill>
+                  <a:schemeClr val="tx1"/>
+                </a:solidFill>
+              </a:rPr>
+              <a:t>Comparison</a:t>
             </a:r>
             <a:endParaRPr lang="en-AU" sz="2800" dirty="0">
               <a:solidFill>
@@ -5097,7 +5105,7 @@
                   <a:schemeClr val="tx1"/>
                 </a:solidFill>
               </a:rPr>
-              <a:t>12</a:t>
+              <a:t>10</a:t>
             </a:r>
             <a:endParaRPr lang="en-AU" sz="2000" dirty="0">
               <a:solidFill>
@@ -5157,12 +5165,12 @@
           <a:p>
             <a:pPr algn="ctr"/>
             <a:r>
-              <a:rPr lang="en-AU" sz="2000" dirty="0" smtClean="0">
-                <a:solidFill>
-                  <a:schemeClr val="tx1"/>
-                </a:solidFill>
-              </a:rPr>
-              <a:t>8</a:t>
+              <a:rPr lang="en-AU" sz="2000" dirty="0">
+                <a:solidFill>
+                  <a:schemeClr val="tx1"/>
+                </a:solidFill>
+              </a:rPr>
+              <a:t>S</a:t>
             </a:r>
             <a:endParaRPr lang="en-AU" sz="2000" dirty="0">
               <a:solidFill>
@@ -5415,7 +5423,7 @@
             <a:r>
               <a:rPr lang="en-AU" sz="2800" dirty="0" smtClean="0">
                 <a:solidFill>
-                  <a:srgbClr val="FF0000"/>
+                  <a:schemeClr val="tx1"/>
                 </a:solidFill>
               </a:rPr>
               <a:t>Make </a:t>
@@ -5423,7 +5431,7 @@
             <a:r>
               <a:rPr lang="en-AU" sz="2800" dirty="0">
                 <a:solidFill>
-                  <a:srgbClr val="FF0000"/>
+                  <a:schemeClr val="tx1"/>
                 </a:solidFill>
               </a:rPr>
               <a:t>a</a:t>
@@ -5431,14 +5439,14 @@
             <a:r>
               <a:rPr lang="en-AU" sz="2800" dirty="0" smtClean="0">
                 <a:solidFill>
-                  <a:srgbClr val="FF0000"/>
+                  <a:schemeClr val="tx1"/>
                 </a:solidFill>
               </a:rPr>
               <a:t> Booking</a:t>
             </a:r>
             <a:endParaRPr lang="en-AU" sz="2800" dirty="0">
               <a:solidFill>
-                <a:srgbClr val="FF0000"/>
+                <a:schemeClr val="tx1"/>
               </a:solidFill>
             </a:endParaRPr>
           </a:p>
@@ -5637,15 +5645,7 @@
                   <a:schemeClr val="tx1"/>
                 </a:solidFill>
               </a:rPr>
-              <a:t>Update availabilities (in real </a:t>
-            </a:r>
-            <a:r>
-              <a:rPr lang="en-US" dirty="0" smtClean="0">
-                <a:solidFill>
-                  <a:schemeClr val="tx1"/>
-                </a:solidFill>
-              </a:rPr>
-              <a:t>time)</a:t>
+              <a:t>Update availabilities (in real time)</a:t>
             </a:r>
             <a:endParaRPr lang="en-AU" dirty="0">
               <a:solidFill>
@@ -5715,12 +5715,12 @@
           <a:p>
             <a:pPr algn="ctr"/>
             <a:r>
-              <a:rPr lang="en-AU" sz="2000" dirty="0" smtClean="0">
-                <a:solidFill>
-                  <a:schemeClr val="tx1"/>
-                </a:solidFill>
-              </a:rPr>
-              <a:t>4</a:t>
+              <a:rPr lang="en-AU" sz="2000" dirty="0">
+                <a:solidFill>
+                  <a:schemeClr val="tx1"/>
+                </a:solidFill>
+              </a:rPr>
+              <a:t>6</a:t>
             </a:r>
             <a:endParaRPr lang="en-AU" sz="2000" dirty="0">
               <a:solidFill>
@@ -5780,12 +5780,12 @@
           <a:p>
             <a:pPr algn="ctr"/>
             <a:r>
-              <a:rPr lang="en-AU" sz="2000" dirty="0" smtClean="0">
-                <a:solidFill>
-                  <a:schemeClr val="tx1"/>
-                </a:solidFill>
-              </a:rPr>
-              <a:t>8</a:t>
+              <a:rPr lang="en-AU" sz="2000" dirty="0">
+                <a:solidFill>
+                  <a:schemeClr val="tx1"/>
+                </a:solidFill>
+              </a:rPr>
+              <a:t>S</a:t>
             </a:r>
             <a:endParaRPr lang="en-AU" sz="2000" dirty="0">
               <a:solidFill>
@@ -6300,6 +6300,14 @@
           <a:lstStyle/>
           <a:p>
             <a:pPr algn="ctr"/>
+            <a:r>
+              <a:rPr lang="en-AU" sz="2000" dirty="0" smtClean="0">
+                <a:solidFill>
+                  <a:schemeClr val="tx1"/>
+                </a:solidFill>
+              </a:rPr>
+              <a:t>4</a:t>
+            </a:r>
             <a:endParaRPr lang="en-AU" sz="2000" dirty="0">
               <a:solidFill>
                 <a:schemeClr val="tx1"/>
@@ -6357,6 +6365,14 @@
           <a:lstStyle/>
           <a:p>
             <a:pPr algn="ctr"/>
+            <a:r>
+              <a:rPr lang="en-AU" sz="2000" dirty="0" smtClean="0">
+                <a:solidFill>
+                  <a:schemeClr val="tx1"/>
+                </a:solidFill>
+              </a:rPr>
+              <a:t>S</a:t>
+            </a:r>
             <a:endParaRPr lang="en-AU" sz="2000" dirty="0">
               <a:solidFill>
                 <a:schemeClr val="tx1"/>
@@ -6603,14 +6619,14 @@
             <a:r>
               <a:rPr lang="en-AU" sz="2800" dirty="0" smtClean="0">
                 <a:solidFill>
-                  <a:srgbClr val="FF0000"/>
+                  <a:schemeClr val="tx1"/>
                 </a:solidFill>
               </a:rPr>
               <a:t>Booking Modifications</a:t>
             </a:r>
             <a:endParaRPr lang="en-AU" sz="2800" dirty="0">
               <a:solidFill>
-                <a:srgbClr val="FF0000"/>
+                <a:schemeClr val="tx1"/>
               </a:solidFill>
             </a:endParaRPr>
           </a:p>
@@ -6867,12 +6883,12 @@
           <a:p>
             <a:pPr algn="ctr"/>
             <a:r>
-              <a:rPr lang="en-AU" sz="2000" dirty="0" smtClean="0">
-                <a:solidFill>
-                  <a:schemeClr val="tx1"/>
-                </a:solidFill>
-              </a:rPr>
-              <a:t>3</a:t>
+              <a:rPr lang="en-AU" sz="2000" dirty="0">
+                <a:solidFill>
+                  <a:schemeClr val="tx1"/>
+                </a:solidFill>
+              </a:rPr>
+              <a:t>6</a:t>
             </a:r>
             <a:endParaRPr lang="en-AU" sz="2000" dirty="0">
               <a:solidFill>
@@ -6937,7 +6953,7 @@
                   <a:schemeClr val="tx1"/>
                 </a:solidFill>
               </a:rPr>
-              <a:t>4</a:t>
+              <a:t>S</a:t>
             </a:r>
             <a:endParaRPr lang="en-AU" sz="2000" dirty="0">
               <a:solidFill>
@@ -7012,15 +7028,7 @@
                   <a:schemeClr val="tx1"/>
                 </a:solidFill>
               </a:rPr>
-              <a:t>Are you sure? Y/N </a:t>
-            </a:r>
-            <a:r>
-              <a:rPr lang="en-AU" sz="2000" dirty="0" smtClean="0">
-                <a:solidFill>
-                  <a:schemeClr val="tx1"/>
-                </a:solidFill>
-              </a:rPr>
-              <a:t>Pop up box</a:t>
+              <a:t>Are you sure? Y/N Pop up box</a:t>
             </a:r>
           </a:p>
           <a:p>
@@ -7499,12 +7507,12 @@
           <a:p>
             <a:pPr algn="ctr"/>
             <a:r>
-              <a:rPr lang="en-AU" sz="2000" dirty="0" smtClean="0">
-                <a:solidFill>
-                  <a:schemeClr val="tx1"/>
-                </a:solidFill>
-              </a:rPr>
-              <a:t>2</a:t>
+              <a:rPr lang="en-AU" sz="2000" dirty="0">
+                <a:solidFill>
+                  <a:schemeClr val="tx1"/>
+                </a:solidFill>
+              </a:rPr>
+              <a:t>S</a:t>
             </a:r>
             <a:endParaRPr lang="en-AU" sz="2000" dirty="0">
               <a:solidFill>
@@ -8027,12 +8035,12 @@
           <a:p>
             <a:pPr algn="ctr"/>
             <a:r>
-              <a:rPr lang="en-AU" sz="2000" dirty="0" smtClean="0">
-                <a:solidFill>
-                  <a:schemeClr val="tx1"/>
-                </a:solidFill>
-              </a:rPr>
-              <a:t>5</a:t>
+              <a:rPr lang="en-AU" sz="2000" dirty="0">
+                <a:solidFill>
+                  <a:schemeClr val="tx1"/>
+                </a:solidFill>
+              </a:rPr>
+              <a:t>6</a:t>
             </a:r>
             <a:endParaRPr lang="en-AU" sz="2000" dirty="0">
               <a:solidFill>
@@ -8097,7 +8105,7 @@
                   <a:schemeClr val="tx1"/>
                 </a:solidFill>
               </a:rPr>
-              <a:t>3</a:t>
+              <a:t>S</a:t>
             </a:r>
             <a:endParaRPr lang="en-AU" sz="2000" dirty="0">
               <a:solidFill>
@@ -8704,7 +8712,7 @@
                   <a:schemeClr val="tx1"/>
                 </a:solidFill>
               </a:rPr>
-              <a:t>2</a:t>
+              <a:t>S</a:t>
             </a:r>
             <a:endParaRPr lang="en-AU" sz="2000" dirty="0">
               <a:solidFill>
@@ -9195,7 +9203,7 @@
                   <a:schemeClr val="tx1"/>
                 </a:solidFill>
               </a:rPr>
-              <a:t>8</a:t>
+              <a:t>10</a:t>
             </a:r>
             <a:endParaRPr lang="en-AU" sz="2000" dirty="0">
               <a:solidFill>
@@ -9255,12 +9263,12 @@
           <a:p>
             <a:pPr algn="ctr"/>
             <a:r>
-              <a:rPr lang="en-AU" sz="2000" dirty="0" smtClean="0">
-                <a:solidFill>
-                  <a:schemeClr val="tx1"/>
-                </a:solidFill>
-              </a:rPr>
-              <a:t>7</a:t>
+              <a:rPr lang="en-AU" sz="2000" dirty="0">
+                <a:solidFill>
+                  <a:schemeClr val="tx1"/>
+                </a:solidFill>
+              </a:rPr>
+              <a:t>S</a:t>
             </a:r>
             <a:endParaRPr lang="en-AU" sz="2000" dirty="0">
               <a:solidFill>
@@ -9412,21 +9420,21 @@
                 <a:gridCol w="2386710">
                   <a:extLst>
                     <a:ext uri="{9D8B030D-6E8A-4147-A177-3AD203B41FA5}">
-                      <a16:colId xmlns="" xmlns:a16="http://schemas.microsoft.com/office/drawing/2014/main" val="4227752072"/>
+                      <a16:colId xmlns:a16="http://schemas.microsoft.com/office/drawing/2014/main" xmlns="" val="4227752072"/>
                     </a:ext>
                   </a:extLst>
                 </a:gridCol>
                 <a:gridCol w="2386710">
                   <a:extLst>
                     <a:ext uri="{9D8B030D-6E8A-4147-A177-3AD203B41FA5}">
-                      <a16:colId xmlns="" xmlns:a16="http://schemas.microsoft.com/office/drawing/2014/main" val="3236106017"/>
+                      <a16:colId xmlns:a16="http://schemas.microsoft.com/office/drawing/2014/main" xmlns="" val="3236106017"/>
                     </a:ext>
                   </a:extLst>
                 </a:gridCol>
                 <a:gridCol w="2386710">
                   <a:extLst>
                     <a:ext uri="{9D8B030D-6E8A-4147-A177-3AD203B41FA5}">
-                      <a16:colId xmlns="" xmlns:a16="http://schemas.microsoft.com/office/drawing/2014/main" val="3392291262"/>
+                      <a16:colId xmlns:a16="http://schemas.microsoft.com/office/drawing/2014/main" xmlns="" val="3392291262"/>
                     </a:ext>
                   </a:extLst>
                 </a:gridCol>
@@ -9602,7 +9610,7 @@
                 </a:tc>
                 <a:extLst>
                   <a:ext uri="{0D108BD9-81ED-4DB2-BD59-A6C34878D82A}">
-                    <a16:rowId xmlns="" xmlns:a16="http://schemas.microsoft.com/office/drawing/2014/main" val="1007940399"/>
+                    <a16:rowId xmlns:a16="http://schemas.microsoft.com/office/drawing/2014/main" xmlns="" val="1007940399"/>
                   </a:ext>
                 </a:extLst>
               </a:tr>
@@ -9784,7 +9792,7 @@
                 </a:tc>
                 <a:extLst>
                   <a:ext uri="{0D108BD9-81ED-4DB2-BD59-A6C34878D82A}">
-                    <a16:rowId xmlns="" xmlns:a16="http://schemas.microsoft.com/office/drawing/2014/main" val="2137882582"/>
+                    <a16:rowId xmlns:a16="http://schemas.microsoft.com/office/drawing/2014/main" xmlns="" val="2137882582"/>
                   </a:ext>
                 </a:extLst>
               </a:tr>
@@ -9966,7 +9974,7 @@
                 </a:tc>
                 <a:extLst>
                   <a:ext uri="{0D108BD9-81ED-4DB2-BD59-A6C34878D82A}">
-                    <a16:rowId xmlns="" xmlns:a16="http://schemas.microsoft.com/office/drawing/2014/main" val="698170432"/>
+                    <a16:rowId xmlns:a16="http://schemas.microsoft.com/office/drawing/2014/main" xmlns="" val="698170432"/>
                   </a:ext>
                 </a:extLst>
               </a:tr>
@@ -10148,7 +10156,7 @@
                 </a:tc>
                 <a:extLst>
                   <a:ext uri="{0D108BD9-81ED-4DB2-BD59-A6C34878D82A}">
-                    <a16:rowId xmlns="" xmlns:a16="http://schemas.microsoft.com/office/drawing/2014/main" val="3574201322"/>
+                    <a16:rowId xmlns:a16="http://schemas.microsoft.com/office/drawing/2014/main" xmlns="" val="3574201322"/>
                   </a:ext>
                 </a:extLst>
               </a:tr>
@@ -10330,7 +10338,7 @@
                 </a:tc>
                 <a:extLst>
                   <a:ext uri="{0D108BD9-81ED-4DB2-BD59-A6C34878D82A}">
-                    <a16:rowId xmlns="" xmlns:a16="http://schemas.microsoft.com/office/drawing/2014/main" val="752529718"/>
+                    <a16:rowId xmlns:a16="http://schemas.microsoft.com/office/drawing/2014/main" xmlns="" val="752529718"/>
                   </a:ext>
                 </a:extLst>
               </a:tr>
@@ -10512,7 +10520,7 @@
                 </a:tc>
                 <a:extLst>
                   <a:ext uri="{0D108BD9-81ED-4DB2-BD59-A6C34878D82A}">
-                    <a16:rowId xmlns="" xmlns:a16="http://schemas.microsoft.com/office/drawing/2014/main" val="2492412396"/>
+                    <a16:rowId xmlns:a16="http://schemas.microsoft.com/office/drawing/2014/main" xmlns="" val="2492412396"/>
                   </a:ext>
                 </a:extLst>
               </a:tr>
@@ -10694,7 +10702,7 @@
                 </a:tc>
                 <a:extLst>
                   <a:ext uri="{0D108BD9-81ED-4DB2-BD59-A6C34878D82A}">
-                    <a16:rowId xmlns="" xmlns:a16="http://schemas.microsoft.com/office/drawing/2014/main" val="1426150357"/>
+                    <a16:rowId xmlns:a16="http://schemas.microsoft.com/office/drawing/2014/main" xmlns="" val="1426150357"/>
                   </a:ext>
                 </a:extLst>
               </a:tr>
@@ -10947,7 +10955,7 @@
             <a:r>
               <a:rPr lang="en-AU" sz="2400" dirty="0">
                 <a:solidFill>
-                  <a:srgbClr val="FF0000"/>
+                  <a:schemeClr val="tx1"/>
                 </a:solidFill>
               </a:rPr>
               <a:t>Secure Password Reset</a:t>
@@ -11193,7 +11201,7 @@
                   <a:schemeClr val="tx1"/>
                 </a:solidFill>
               </a:rPr>
-              <a:t>3</a:t>
+              <a:t>10</a:t>
             </a:r>
             <a:endParaRPr lang="en-AU" sz="2000" dirty="0">
               <a:solidFill>
@@ -11253,12 +11261,12 @@
           <a:p>
             <a:pPr algn="ctr"/>
             <a:r>
-              <a:rPr lang="en-AU" sz="2000" dirty="0" smtClean="0">
-                <a:solidFill>
-                  <a:schemeClr val="tx1"/>
-                </a:solidFill>
-              </a:rPr>
-              <a:t>4</a:t>
+              <a:rPr lang="en-AU" sz="2000" dirty="0">
+                <a:solidFill>
+                  <a:schemeClr val="tx1"/>
+                </a:solidFill>
+              </a:rPr>
+              <a:t>S</a:t>
             </a:r>
             <a:endParaRPr lang="en-AU" sz="2000" dirty="0">
               <a:solidFill>
@@ -11741,12 +11749,12 @@
           <a:p>
             <a:pPr algn="ctr"/>
             <a:r>
-              <a:rPr lang="en-AU" sz="2000" dirty="0" smtClean="0">
-                <a:solidFill>
-                  <a:schemeClr val="tx1"/>
-                </a:solidFill>
-              </a:rPr>
-              <a:t>2</a:t>
+              <a:rPr lang="en-AU" sz="2000" dirty="0">
+                <a:solidFill>
+                  <a:schemeClr val="tx1"/>
+                </a:solidFill>
+              </a:rPr>
+              <a:t>6</a:t>
             </a:r>
             <a:endParaRPr lang="en-AU" sz="2000" dirty="0">
               <a:solidFill>
@@ -11811,7 +11819,7 @@
                   <a:schemeClr val="tx1"/>
                 </a:solidFill>
               </a:rPr>
-              <a:t>2</a:t>
+              <a:t>C</a:t>
             </a:r>
             <a:endParaRPr lang="en-AU" sz="2000" dirty="0">
               <a:solidFill>
@@ -12280,7 +12288,7 @@
                   <a:schemeClr val="tx1"/>
                 </a:solidFill>
               </a:rPr>
-              <a:t>4</a:t>
+              <a:t>NA</a:t>
             </a:r>
             <a:endParaRPr lang="en-AU" sz="2000" dirty="0">
               <a:solidFill>
@@ -12345,7 +12353,7 @@
                   <a:schemeClr val="tx1"/>
                 </a:solidFill>
               </a:rPr>
-              <a:t>8</a:t>
+              <a:t>W</a:t>
             </a:r>
             <a:endParaRPr lang="en-AU" sz="2000" dirty="0">
               <a:solidFill>
@@ -12589,15 +12597,7 @@
                   <a:schemeClr val="tx1"/>
                 </a:solidFill>
               </a:rPr>
-              <a:t>Main Display </a:t>
-            </a:r>
-            <a:r>
-              <a:rPr lang="en-AU" sz="2800" dirty="0" smtClean="0">
-                <a:solidFill>
-                  <a:schemeClr val="tx1"/>
-                </a:solidFill>
-              </a:rPr>
-              <a:t>Page</a:t>
+              <a:t>Main Display Page</a:t>
             </a:r>
             <a:endParaRPr lang="en-AU" sz="2800" dirty="0">
               <a:solidFill>
@@ -12669,39 +12669,7 @@
                   <a:schemeClr val="tx1"/>
                 </a:solidFill>
               </a:rPr>
-              <a:t>the owner of the website I want the </a:t>
-            </a:r>
-            <a:r>
-              <a:rPr lang="en-US" sz="2400" dirty="0" smtClean="0">
-                <a:solidFill>
-                  <a:schemeClr val="tx1"/>
-                </a:solidFill>
-              </a:rPr>
-              <a:t>main display page </a:t>
-            </a:r>
-            <a:r>
-              <a:rPr lang="en-US" sz="2400" dirty="0" smtClean="0">
-                <a:solidFill>
-                  <a:schemeClr val="tx1"/>
-                </a:solidFill>
-              </a:rPr>
-              <a:t>to </a:t>
-            </a:r>
-            <a:r>
-              <a:rPr lang="en-US" sz="2400" dirty="0" smtClean="0">
-                <a:solidFill>
-                  <a:schemeClr val="tx1"/>
-                </a:solidFill>
-              </a:rPr>
-              <a:t>show </a:t>
-            </a:r>
-            <a:r>
-              <a:rPr lang="en-US" sz="2400" dirty="0" smtClean="0">
-                <a:solidFill>
-                  <a:schemeClr val="tx1"/>
-                </a:solidFill>
-              </a:rPr>
-              <a:t>a single photo of a handful of properties and be simple and logical in design to help users navigate the website easily</a:t>
+              <a:t>the owner of the website I want the main display page to show a single photo of a handful of properties and be simple and logical in design to help users navigate the website easily</a:t>
             </a:r>
             <a:endParaRPr lang="en-AU" sz="2400" dirty="0">
               <a:solidFill>
@@ -12828,11 +12796,6 @@
               </a:rPr>
               <a:t>Users must be able to navigate through the web pages easily</a:t>
             </a:r>
-            <a:endParaRPr lang="en-US" sz="2000" dirty="0" smtClean="0">
-              <a:solidFill>
-                <a:schemeClr val="tx1"/>
-              </a:solidFill>
-            </a:endParaRPr>
           </a:p>
           <a:p>
             <a:pPr marL="285750" indent="-285750">
@@ -12845,29 +12808,8 @@
                   <a:schemeClr val="tx1"/>
                 </a:solidFill>
               </a:rPr>
-              <a:t>Image mounts, </a:t>
-            </a:r>
-            <a:r>
-              <a:rPr lang="en-US" sz="2000" dirty="0" smtClean="0">
-                <a:solidFill>
-                  <a:schemeClr val="tx1"/>
-                </a:solidFill>
-              </a:rPr>
-              <a:t>rating, pricing and basic utilities </a:t>
-            </a:r>
-            <a:r>
-              <a:rPr lang="en-US" sz="2000" dirty="0" smtClean="0">
-                <a:solidFill>
-                  <a:schemeClr val="tx1"/>
-                </a:solidFill>
-              </a:rPr>
-              <a:t>information displayed</a:t>
-            </a:r>
-            <a:endParaRPr lang="en-US" sz="2000" dirty="0" smtClean="0">
-              <a:solidFill>
-                <a:schemeClr val="tx1"/>
-              </a:solidFill>
-            </a:endParaRPr>
+              <a:t>Image mounts, rating, pricing and basic utilities information displayed</a:t>
+            </a:r>
           </a:p>
           <a:p>
             <a:pPr marL="285750" indent="-285750">
@@ -12880,39 +12822,7 @@
                   <a:schemeClr val="tx1"/>
                 </a:solidFill>
               </a:rPr>
-              <a:t>Clickable b</a:t>
-            </a:r>
-            <a:r>
-              <a:rPr lang="en-AU" sz="2000" dirty="0" smtClean="0">
-                <a:solidFill>
-                  <a:schemeClr val="tx1"/>
-                </a:solidFill>
-              </a:rPr>
-              <a:t>utton </a:t>
-            </a:r>
-            <a:r>
-              <a:rPr lang="en-AU" sz="2000" dirty="0" smtClean="0">
-                <a:solidFill>
-                  <a:schemeClr val="tx1"/>
-                </a:solidFill>
-              </a:rPr>
-              <a:t>for </a:t>
-            </a:r>
-            <a:r>
-              <a:rPr lang="en-AU" sz="2000" dirty="0" smtClean="0">
-                <a:solidFill>
-                  <a:schemeClr val="tx1"/>
-                </a:solidFill>
-              </a:rPr>
-              <a:t>‘more information’ </a:t>
-            </a:r>
-            <a:r>
-              <a:rPr lang="en-AU" sz="2000" dirty="0" smtClean="0">
-                <a:solidFill>
-                  <a:schemeClr val="tx1"/>
-                </a:solidFill>
-              </a:rPr>
-              <a:t>on property listing</a:t>
+              <a:t>Clickable button for ‘more information’ on property listing</a:t>
             </a:r>
             <a:endParaRPr lang="en-AU" sz="2000" dirty="0">
               <a:solidFill>
@@ -12976,7 +12886,7 @@
                   <a:schemeClr val="tx1"/>
                 </a:solidFill>
               </a:rPr>
-              <a:t>4</a:t>
+              <a:t>10</a:t>
             </a:r>
             <a:endParaRPr lang="en-AU" sz="2000" dirty="0">
               <a:solidFill>
@@ -13041,7 +12951,7 @@
                   <a:schemeClr val="tx1"/>
                 </a:solidFill>
               </a:rPr>
-              <a:t>2</a:t>
+              <a:t>M</a:t>
             </a:r>
             <a:endParaRPr lang="en-AU" sz="2000" dirty="0">
               <a:solidFill>
@@ -13157,23 +13067,7 @@
                   <a:schemeClr val="tx1"/>
                 </a:solidFill>
               </a:rPr>
-              <a:t>Suggestion </a:t>
-            </a:r>
-            <a:r>
-              <a:rPr lang="en-AU" sz="2000" dirty="0" smtClean="0">
-                <a:solidFill>
-                  <a:schemeClr val="tx1"/>
-                </a:solidFill>
-              </a:rPr>
-              <a:t>box </a:t>
-            </a:r>
-            <a:r>
-              <a:rPr lang="en-AU" sz="2000" dirty="0" smtClean="0">
-                <a:solidFill>
-                  <a:schemeClr val="tx1"/>
-                </a:solidFill>
-              </a:rPr>
-              <a:t>to enter search criteria</a:t>
+              <a:t>Suggestion box to enter search criteria</a:t>
             </a:r>
             <a:endParaRPr lang="en-AU" sz="2000" dirty="0">
               <a:solidFill>
@@ -13410,23 +13304,7 @@
                   <a:schemeClr val="tx1"/>
                 </a:solidFill>
               </a:rPr>
-              <a:t>photos on the </a:t>
-            </a:r>
-            <a:r>
-              <a:rPr lang="en-US" sz="2400" dirty="0" smtClean="0">
-                <a:solidFill>
-                  <a:schemeClr val="tx1"/>
-                </a:solidFill>
-              </a:rPr>
-              <a:t>first </a:t>
-            </a:r>
-            <a:r>
-              <a:rPr lang="en-US" sz="2400" dirty="0" smtClean="0">
-                <a:solidFill>
-                  <a:schemeClr val="tx1"/>
-                </a:solidFill>
-              </a:rPr>
-              <a:t>page </a:t>
+              <a:t>photos on the first page </a:t>
             </a:r>
             <a:r>
               <a:rPr lang="en-US" sz="2400" dirty="0">
@@ -13569,11 +13447,6 @@
               </a:rPr>
               <a:t>Photos are enlarged upon click</a:t>
             </a:r>
-            <a:endParaRPr lang="en-AU" sz="2000" dirty="0" smtClean="0">
-              <a:solidFill>
-                <a:schemeClr val="tx1"/>
-              </a:solidFill>
-            </a:endParaRPr>
           </a:p>
           <a:p>
             <a:pPr marL="285750" indent="-285750">
@@ -13667,7 +13540,7 @@
                   <a:schemeClr val="tx1"/>
                 </a:solidFill>
               </a:rPr>
-              <a:t>6</a:t>
+              <a:t>4</a:t>
             </a:r>
             <a:endParaRPr lang="en-AU" sz="2000" dirty="0">
               <a:solidFill>
@@ -13732,7 +13605,7 @@
                   <a:schemeClr val="tx1"/>
                 </a:solidFill>
               </a:rPr>
-              <a:t>7</a:t>
+              <a:t>M</a:t>
             </a:r>
             <a:endParaRPr lang="en-AU" sz="2000" dirty="0">
               <a:solidFill>
@@ -13821,15 +13694,7 @@
                   <a:schemeClr val="tx1"/>
                 </a:solidFill>
               </a:rPr>
-              <a:t> </a:t>
-            </a:r>
-            <a:r>
-              <a:rPr lang="en-AU" sz="2000" dirty="0" smtClean="0">
-                <a:solidFill>
-                  <a:schemeClr val="tx1"/>
-                </a:solidFill>
-              </a:rPr>
-              <a:t>check viability of third party image hosting</a:t>
+              <a:t> check viability of third party image hosting</a:t>
             </a:r>
             <a:endParaRPr lang="en-AU" sz="2000" dirty="0">
               <a:solidFill>
@@ -14321,12 +14186,12 @@
           <a:p>
             <a:pPr algn="ctr"/>
             <a:r>
-              <a:rPr lang="en-AU" sz="2000" dirty="0" smtClean="0">
-                <a:solidFill>
-                  <a:schemeClr val="tx1"/>
-                </a:solidFill>
-              </a:rPr>
-              <a:t>2</a:t>
+              <a:rPr lang="en-AU" sz="2000" dirty="0">
+                <a:solidFill>
+                  <a:schemeClr val="tx1"/>
+                </a:solidFill>
+              </a:rPr>
+              <a:t>M</a:t>
             </a:r>
             <a:endParaRPr lang="en-AU" sz="2000" dirty="0">
               <a:solidFill>
@@ -14754,15 +14619,6 @@
               </a:rPr>
               <a:t>All different users can create an account or login to an existing account</a:t>
             </a:r>
-            <a:endParaRPr lang="de" dirty="0" smtClean="0">
-              <a:solidFill>
-                <a:srgbClr val="000000"/>
-              </a:solidFill>
-              <a:latin typeface="Arial"/>
-              <a:ea typeface="Arial"/>
-              <a:cs typeface="Arial"/>
-              <a:sym typeface="Arial"/>
-            </a:endParaRPr>
           </a:p>
           <a:p>
             <a:pPr marL="179388" indent="-179388">
@@ -14983,7 +14839,7 @@
                   <a:schemeClr val="tx1"/>
                 </a:solidFill>
               </a:rPr>
-              <a:t>2</a:t>
+              <a:t>M</a:t>
             </a:r>
             <a:endParaRPr lang="en-AU" sz="2000" dirty="0">
               <a:solidFill>
@@ -15269,14 +15125,14 @@
             <a:r>
               <a:rPr lang="en-AU" sz="2800" dirty="0" smtClean="0">
                 <a:solidFill>
-                  <a:srgbClr val="FF0000"/>
+                  <a:schemeClr val="tx1"/>
                 </a:solidFill>
               </a:rPr>
               <a:t>Create Account Form</a:t>
             </a:r>
             <a:endParaRPr lang="en-AU" sz="2800" dirty="0">
               <a:solidFill>
-                <a:srgbClr val="FF0000"/>
+                <a:schemeClr val="tx1"/>
               </a:solidFill>
             </a:endParaRPr>
           </a:p>
@@ -15586,7 +15442,7 @@
                   <a:schemeClr val="tx1"/>
                 </a:solidFill>
               </a:rPr>
-              <a:t>2</a:t>
+              <a:t>M</a:t>
             </a:r>
             <a:endParaRPr lang="en-AU" sz="2000" dirty="0">
               <a:solidFill>
@@ -16031,23 +15887,7 @@
                   <a:schemeClr val="tx1"/>
                 </a:solidFill>
               </a:rPr>
-              <a:t>owners to </a:t>
-            </a:r>
-            <a:r>
-              <a:rPr lang="en-US" sz="2000" dirty="0" smtClean="0">
-                <a:solidFill>
-                  <a:schemeClr val="tx1"/>
-                </a:solidFill>
-              </a:rPr>
-              <a:t>add/</a:t>
-            </a:r>
-            <a:r>
-              <a:rPr lang="en-US" sz="2000" dirty="0" smtClean="0">
-                <a:solidFill>
-                  <a:schemeClr val="tx1"/>
-                </a:solidFill>
-              </a:rPr>
-              <a:t>change </a:t>
+              <a:t>owners to add/change </a:t>
             </a:r>
             <a:r>
               <a:rPr lang="en-US" sz="2000" dirty="0">
@@ -16130,7 +15970,7 @@
                   <a:schemeClr val="tx1"/>
                 </a:solidFill>
               </a:rPr>
-              <a:t>3</a:t>
+              <a:t>10</a:t>
             </a:r>
             <a:endParaRPr lang="en-AU" sz="2000" dirty="0">
               <a:solidFill>
@@ -16190,12 +16030,12 @@
           <a:p>
             <a:pPr algn="ctr"/>
             <a:r>
-              <a:rPr lang="en-AU" sz="2000" dirty="0" smtClean="0">
-                <a:solidFill>
-                  <a:schemeClr val="tx1"/>
-                </a:solidFill>
-              </a:rPr>
-              <a:t>5</a:t>
+              <a:rPr lang="en-AU" sz="2000" dirty="0">
+                <a:solidFill>
+                  <a:schemeClr val="tx1"/>
+                </a:solidFill>
+              </a:rPr>
+              <a:t>M</a:t>
             </a:r>
             <a:endParaRPr lang="en-AU" sz="2000" dirty="0">
               <a:solidFill>
@@ -16286,11 +16126,6 @@
               </a:rPr>
               <a:t>Property listings must be encrypted and logged on save</a:t>
             </a:r>
-            <a:endParaRPr lang="en-AU" sz="2000" dirty="0" smtClean="0">
-              <a:solidFill>
-                <a:schemeClr val="tx1"/>
-              </a:solidFill>
-            </a:endParaRPr>
           </a:p>
           <a:p>
             <a:pPr marL="179388" indent="-179388">
@@ -16817,7 +16652,7 @@
                   <a:schemeClr val="tx1"/>
                 </a:solidFill>
               </a:rPr>
-              <a:t>2</a:t>
+              <a:t>M</a:t>
             </a:r>
             <a:endParaRPr lang="en-AU" sz="2000" dirty="0">
               <a:solidFill>
